--- a/Clasificados.pptx
+++ b/Clasificados.pptx
@@ -9,15 +9,16 @@
     <p:sldId id="257" r:id="rId3"/>
     <p:sldId id="258" r:id="rId4"/>
     <p:sldId id="259" r:id="rId5"/>
-    <p:sldId id="260" r:id="rId6"/>
-    <p:sldId id="261" r:id="rId7"/>
-    <p:sldId id="262" r:id="rId8"/>
-    <p:sldId id="264" r:id="rId9"/>
-    <p:sldId id="263" r:id="rId10"/>
-    <p:sldId id="265" r:id="rId11"/>
-    <p:sldId id="266" r:id="rId12"/>
-    <p:sldId id="267" r:id="rId13"/>
-    <p:sldId id="268" r:id="rId14"/>
+    <p:sldId id="270" r:id="rId6"/>
+    <p:sldId id="271" r:id="rId7"/>
+    <p:sldId id="260" r:id="rId8"/>
+    <p:sldId id="261" r:id="rId9"/>
+    <p:sldId id="262" r:id="rId10"/>
+    <p:sldId id="264" r:id="rId11"/>
+    <p:sldId id="269" r:id="rId12"/>
+    <p:sldId id="272" r:id="rId13"/>
+    <p:sldId id="273" r:id="rId14"/>
+    <p:sldId id="268" r:id="rId15"/>
   </p:sldIdLst>
   <p:sldSz cx="12192000" cy="6858000"/>
   <p:notesSz cx="6858000" cy="9144000"/>
@@ -725,7 +726,7 @@
           </a:lstStyle>
           <a:p>
             <a:r>
-              <a:rPr lang="es-ES" smtClean="0"/>
+              <a:rPr lang="es-ES"/>
               <a:t>Haga clic para modificar el estilo de título del patrón</a:t>
             </a:r>
             <a:endParaRPr lang="en-US" dirty="0"/>
@@ -845,7 +846,7 @@
           </a:lstStyle>
           <a:p>
             <a:r>
-              <a:rPr lang="es-ES" smtClean="0"/>
+              <a:rPr lang="es-ES"/>
               <a:t>Haga clic para modificar el estilo de subtítulo del patrón</a:t>
             </a:r>
             <a:endParaRPr lang="en-US" dirty="0"/>
@@ -870,7 +871,7 @@
             <a:fld id="{B61BEF0D-F0BB-DE4B-95CE-6DB70DBA9567}" type="datetimeFigureOut">
               <a:rPr lang="en-US" dirty="0"/>
               <a:pPr/>
-              <a:t>9/3/2021</a:t>
+              <a:t>9/24/2021</a:t>
             </a:fld>
             <a:endParaRPr lang="en-US" dirty="0"/>
           </a:p>
@@ -971,7 +972,7 @@
           </a:lstStyle>
           <a:p>
             <a:r>
-              <a:rPr lang="es-ES" smtClean="0"/>
+              <a:rPr lang="es-ES"/>
               <a:t>Haga clic para modificar el estilo de título del patrón</a:t>
             </a:r>
             <a:endParaRPr lang="en-US" dirty="0"/>
@@ -1094,7 +1095,7 @@
           <a:p>
             <a:pPr lvl="0"/>
             <a:r>
-              <a:rPr lang="es-ES" smtClean="0"/>
+              <a:rPr lang="es-ES"/>
               <a:t>Haga clic para modificar el estilo de texto del patrón</a:t>
             </a:r>
           </a:p>
@@ -1118,7 +1119,7 @@
             <a:fld id="{B61BEF0D-F0BB-DE4B-95CE-6DB70DBA9567}" type="datetimeFigureOut">
               <a:rPr lang="en-US" dirty="0"/>
               <a:pPr/>
-              <a:t>9/3/2021</a:t>
+              <a:t>9/24/2021</a:t>
             </a:fld>
             <a:endParaRPr lang="en-US" dirty="0"/>
           </a:p>
@@ -1219,7 +1220,7 @@
           </a:lstStyle>
           <a:p>
             <a:r>
-              <a:rPr lang="es-ES" smtClean="0"/>
+              <a:rPr lang="es-ES"/>
               <a:t>Haga clic para modificar el estilo de título del patrón</a:t>
             </a:r>
             <a:endParaRPr lang="en-US" dirty="0"/>
@@ -1283,7 +1284,7 @@
           <a:p>
             <a:pPr lvl="0"/>
             <a:r>
-              <a:rPr lang="es-ES" smtClean="0"/>
+              <a:rPr lang="es-ES"/>
               <a:t>Haga clic para modificar el estilo de texto del patrón</a:t>
             </a:r>
           </a:p>
@@ -1405,7 +1406,7 @@
           <a:p>
             <a:pPr lvl="0"/>
             <a:r>
-              <a:rPr lang="es-ES" smtClean="0"/>
+              <a:rPr lang="es-ES"/>
               <a:t>Haga clic para modificar el estilo de texto del patrón</a:t>
             </a:r>
           </a:p>
@@ -1429,7 +1430,7 @@
             <a:fld id="{B61BEF0D-F0BB-DE4B-95CE-6DB70DBA9567}" type="datetimeFigureOut">
               <a:rPr lang="en-US" dirty="0"/>
               <a:pPr/>
-              <a:t>9/3/2021</a:t>
+              <a:t>9/24/2021</a:t>
             </a:fld>
             <a:endParaRPr lang="en-US" dirty="0"/>
           </a:p>
@@ -1612,7 +1613,7 @@
           </a:lstStyle>
           <a:p>
             <a:r>
-              <a:rPr lang="es-ES" smtClean="0"/>
+              <a:rPr lang="es-ES"/>
               <a:t>Haga clic para modificar el estilo de título del patrón</a:t>
             </a:r>
             <a:endParaRPr lang="en-US" dirty="0"/>
@@ -1735,7 +1736,7 @@
           <a:p>
             <a:pPr lvl="0"/>
             <a:r>
-              <a:rPr lang="es-ES" smtClean="0"/>
+              <a:rPr lang="es-ES"/>
               <a:t>Haga clic para modificar el estilo de texto del patrón</a:t>
             </a:r>
           </a:p>
@@ -1759,7 +1760,7 @@
             <a:fld id="{B61BEF0D-F0BB-DE4B-95CE-6DB70DBA9567}" type="datetimeFigureOut">
               <a:rPr lang="en-US" dirty="0"/>
               <a:pPr/>
-              <a:t>9/3/2021</a:t>
+              <a:t>9/24/2021</a:t>
             </a:fld>
             <a:endParaRPr lang="en-US" dirty="0"/>
           </a:p>
@@ -1860,7 +1861,7 @@
           </a:lstStyle>
           <a:p>
             <a:r>
-              <a:rPr lang="es-ES" smtClean="0"/>
+              <a:rPr lang="es-ES"/>
               <a:t>Haga clic para modificar el estilo de título del patrón</a:t>
             </a:r>
             <a:endParaRPr lang="en-US" dirty="0"/>
@@ -1924,7 +1925,7 @@
           <a:p>
             <a:pPr lvl="0"/>
             <a:r>
-              <a:rPr lang="es-ES" smtClean="0"/>
+              <a:rPr lang="es-ES"/>
               <a:t>Haga clic para modificar el estilo de texto del patrón</a:t>
             </a:r>
           </a:p>
@@ -2046,7 +2047,7 @@
           <a:p>
             <a:pPr lvl="0"/>
             <a:r>
-              <a:rPr lang="es-ES" smtClean="0"/>
+              <a:rPr lang="es-ES"/>
               <a:t>Haga clic para modificar el estilo de texto del patrón</a:t>
             </a:r>
           </a:p>
@@ -2070,7 +2071,7 @@
             <a:fld id="{B61BEF0D-F0BB-DE4B-95CE-6DB70DBA9567}" type="datetimeFigureOut">
               <a:rPr lang="en-US" dirty="0"/>
               <a:pPr/>
-              <a:t>9/3/2021</a:t>
+              <a:t>9/24/2021</a:t>
             </a:fld>
             <a:endParaRPr lang="en-US" dirty="0"/>
           </a:p>
@@ -2253,7 +2254,7 @@
           </a:lstStyle>
           <a:p>
             <a:r>
-              <a:rPr lang="es-ES" smtClean="0"/>
+              <a:rPr lang="es-ES"/>
               <a:t>Haga clic para modificar el estilo de título del patrón</a:t>
             </a:r>
             <a:endParaRPr lang="en-US" dirty="0"/>
@@ -2314,7 +2315,7 @@
           <a:p>
             <a:pPr lvl="0"/>
             <a:r>
-              <a:rPr lang="es-ES" smtClean="0"/>
+              <a:rPr lang="es-ES"/>
               <a:t>Haga clic para modificar el estilo de texto del patrón</a:t>
             </a:r>
           </a:p>
@@ -2436,7 +2437,7 @@
           <a:p>
             <a:pPr lvl="0"/>
             <a:r>
-              <a:rPr lang="es-ES" smtClean="0"/>
+              <a:rPr lang="es-ES"/>
               <a:t>Haga clic para modificar el estilo de texto del patrón</a:t>
             </a:r>
           </a:p>
@@ -2460,7 +2461,7 @@
             <a:fld id="{B61BEF0D-F0BB-DE4B-95CE-6DB70DBA9567}" type="datetimeFigureOut">
               <a:rPr lang="en-US" dirty="0"/>
               <a:pPr/>
-              <a:t>9/3/2021</a:t>
+              <a:t>9/24/2021</a:t>
             </a:fld>
             <a:endParaRPr lang="en-US" dirty="0"/>
           </a:p>
@@ -2550,7 +2551,7 @@
           <a:lstStyle/>
           <a:p>
             <a:r>
-              <a:rPr lang="es-ES" smtClean="0"/>
+              <a:rPr lang="es-ES"/>
               <a:t>Haga clic para modificar el estilo de título del patrón</a:t>
             </a:r>
             <a:endParaRPr lang="en-US" dirty="0"/>
@@ -2574,35 +2575,35 @@
           <a:p>
             <a:pPr lvl="0"/>
             <a:r>
-              <a:rPr lang="es-ES" smtClean="0"/>
+              <a:rPr lang="es-ES"/>
               <a:t>Haga clic para modificar el estilo de texto del patrón</a:t>
             </a:r>
           </a:p>
           <a:p>
             <a:pPr lvl="1"/>
             <a:r>
-              <a:rPr lang="es-ES" smtClean="0"/>
+              <a:rPr lang="es-ES"/>
               <a:t>Segundo nivel</a:t>
             </a:r>
           </a:p>
           <a:p>
             <a:pPr lvl="2"/>
             <a:r>
-              <a:rPr lang="es-ES" smtClean="0"/>
+              <a:rPr lang="es-ES"/>
               <a:t>Tercer nivel</a:t>
             </a:r>
           </a:p>
           <a:p>
             <a:pPr lvl="3"/>
             <a:r>
-              <a:rPr lang="es-ES" smtClean="0"/>
+              <a:rPr lang="es-ES"/>
               <a:t>Cuarto nivel</a:t>
             </a:r>
           </a:p>
           <a:p>
             <a:pPr lvl="4"/>
             <a:r>
-              <a:rPr lang="es-ES" smtClean="0"/>
+              <a:rPr lang="es-ES"/>
               <a:t>Quinto nivel</a:t>
             </a:r>
             <a:endParaRPr lang="en-US" dirty="0"/>
@@ -2626,7 +2627,7 @@
           <a:p>
             <a:fld id="{55C6B4A9-1611-4792-9094-5F34BCA07E0B}" type="datetimeFigureOut">
               <a:rPr lang="en-US" dirty="0"/>
-              <a:t>9/3/2021</a:t>
+              <a:t>9/24/2021</a:t>
             </a:fld>
             <a:endParaRPr lang="en-US" dirty="0"/>
           </a:p>
@@ -2720,7 +2721,7 @@
           <a:lstStyle/>
           <a:p>
             <a:r>
-              <a:rPr lang="es-ES" smtClean="0"/>
+              <a:rPr lang="es-ES"/>
               <a:t>Haga clic para modificar el estilo de título del patrón</a:t>
             </a:r>
             <a:endParaRPr lang="en-US" dirty="0"/>
@@ -2749,35 +2750,35 @@
           <a:p>
             <a:pPr lvl="0"/>
             <a:r>
-              <a:rPr lang="es-ES" smtClean="0"/>
+              <a:rPr lang="es-ES"/>
               <a:t>Haga clic para modificar el estilo de texto del patrón</a:t>
             </a:r>
           </a:p>
           <a:p>
             <a:pPr lvl="1"/>
             <a:r>
-              <a:rPr lang="es-ES" smtClean="0"/>
+              <a:rPr lang="es-ES"/>
               <a:t>Segundo nivel</a:t>
             </a:r>
           </a:p>
           <a:p>
             <a:pPr lvl="2"/>
             <a:r>
-              <a:rPr lang="es-ES" smtClean="0"/>
+              <a:rPr lang="es-ES"/>
               <a:t>Tercer nivel</a:t>
             </a:r>
           </a:p>
           <a:p>
             <a:pPr lvl="3"/>
             <a:r>
-              <a:rPr lang="es-ES" smtClean="0"/>
+              <a:rPr lang="es-ES"/>
               <a:t>Cuarto nivel</a:t>
             </a:r>
           </a:p>
           <a:p>
             <a:pPr lvl="4"/>
             <a:r>
-              <a:rPr lang="es-ES" smtClean="0"/>
+              <a:rPr lang="es-ES"/>
               <a:t>Quinto nivel</a:t>
             </a:r>
             <a:endParaRPr lang="en-US" dirty="0"/>
@@ -2802,7 +2803,7 @@
             <a:fld id="{B61BEF0D-F0BB-DE4B-95CE-6DB70DBA9567}" type="datetimeFigureOut">
               <a:rPr lang="en-US" dirty="0"/>
               <a:pPr/>
-              <a:t>9/3/2021</a:t>
+              <a:t>9/24/2021</a:t>
             </a:fld>
             <a:endParaRPr lang="en-US" dirty="0"/>
           </a:p>
@@ -2892,7 +2893,7 @@
           <a:lstStyle/>
           <a:p>
             <a:r>
-              <a:rPr lang="es-ES" smtClean="0"/>
+              <a:rPr lang="es-ES"/>
               <a:t>Haga clic para modificar el estilo de título del patrón</a:t>
             </a:r>
             <a:endParaRPr lang="en-US" dirty="0"/>
@@ -2916,35 +2917,35 @@
           <a:p>
             <a:pPr lvl="0"/>
             <a:r>
-              <a:rPr lang="es-ES" smtClean="0"/>
+              <a:rPr lang="es-ES"/>
               <a:t>Haga clic para modificar el estilo de texto del patrón</a:t>
             </a:r>
           </a:p>
           <a:p>
             <a:pPr lvl="1"/>
             <a:r>
-              <a:rPr lang="es-ES" smtClean="0"/>
+              <a:rPr lang="es-ES"/>
               <a:t>Segundo nivel</a:t>
             </a:r>
           </a:p>
           <a:p>
             <a:pPr lvl="2"/>
             <a:r>
-              <a:rPr lang="es-ES" smtClean="0"/>
+              <a:rPr lang="es-ES"/>
               <a:t>Tercer nivel</a:t>
             </a:r>
           </a:p>
           <a:p>
             <a:pPr lvl="3"/>
             <a:r>
-              <a:rPr lang="es-ES" smtClean="0"/>
+              <a:rPr lang="es-ES"/>
               <a:t>Cuarto nivel</a:t>
             </a:r>
           </a:p>
           <a:p>
             <a:pPr lvl="4"/>
             <a:r>
-              <a:rPr lang="es-ES" smtClean="0"/>
+              <a:rPr lang="es-ES"/>
               <a:t>Quinto nivel</a:t>
             </a:r>
             <a:endParaRPr lang="en-US" dirty="0"/>
@@ -2968,7 +2969,7 @@
           <a:p>
             <a:fld id="{42A54C80-263E-416B-A8E0-580EDEADCBDC}" type="datetimeFigureOut">
               <a:rPr lang="en-US" dirty="0"/>
-              <a:t>9/3/2021</a:t>
+              <a:t>9/24/2021</a:t>
             </a:fld>
             <a:endParaRPr lang="en-US" dirty="0"/>
           </a:p>
@@ -3066,7 +3067,7 @@
           </a:lstStyle>
           <a:p>
             <a:r>
-              <a:rPr lang="es-ES" smtClean="0"/>
+              <a:rPr lang="es-ES"/>
               <a:t>Haga clic para modificar el estilo de título del patrón</a:t>
             </a:r>
             <a:endParaRPr lang="en-US" dirty="0"/>
@@ -3187,7 +3188,7 @@
           <a:p>
             <a:pPr lvl="0"/>
             <a:r>
-              <a:rPr lang="es-ES" smtClean="0"/>
+              <a:rPr lang="es-ES"/>
               <a:t>Haga clic para modificar el estilo de texto del patrón</a:t>
             </a:r>
           </a:p>
@@ -3211,7 +3212,7 @@
             <a:fld id="{B61BEF0D-F0BB-DE4B-95CE-6DB70DBA9567}" type="datetimeFigureOut">
               <a:rPr lang="en-US" dirty="0"/>
               <a:pPr/>
-              <a:t>9/3/2021</a:t>
+              <a:t>9/24/2021</a:t>
             </a:fld>
             <a:endParaRPr lang="en-US" dirty="0"/>
           </a:p>
@@ -3301,7 +3302,7 @@
           <a:lstStyle/>
           <a:p>
             <a:r>
-              <a:rPr lang="es-ES" smtClean="0"/>
+              <a:rPr lang="es-ES"/>
               <a:t>Haga clic para modificar el estilo de título del patrón</a:t>
             </a:r>
             <a:endParaRPr lang="en-US" dirty="0"/>
@@ -3330,35 +3331,35 @@
           <a:p>
             <a:pPr lvl="0"/>
             <a:r>
-              <a:rPr lang="es-ES" smtClean="0"/>
+              <a:rPr lang="es-ES"/>
               <a:t>Haga clic para modificar el estilo de texto del patrón</a:t>
             </a:r>
           </a:p>
           <a:p>
             <a:pPr lvl="1"/>
             <a:r>
-              <a:rPr lang="es-ES" smtClean="0"/>
+              <a:rPr lang="es-ES"/>
               <a:t>Segundo nivel</a:t>
             </a:r>
           </a:p>
           <a:p>
             <a:pPr lvl="2"/>
             <a:r>
-              <a:rPr lang="es-ES" smtClean="0"/>
+              <a:rPr lang="es-ES"/>
               <a:t>Tercer nivel</a:t>
             </a:r>
           </a:p>
           <a:p>
             <a:pPr lvl="3"/>
             <a:r>
-              <a:rPr lang="es-ES" smtClean="0"/>
+              <a:rPr lang="es-ES"/>
               <a:t>Cuarto nivel</a:t>
             </a:r>
           </a:p>
           <a:p>
             <a:pPr lvl="4"/>
             <a:r>
-              <a:rPr lang="es-ES" smtClean="0"/>
+              <a:rPr lang="es-ES"/>
               <a:t>Quinto nivel</a:t>
             </a:r>
             <a:endParaRPr lang="en-US" dirty="0"/>
@@ -3387,35 +3388,35 @@
           <a:p>
             <a:pPr lvl="0"/>
             <a:r>
-              <a:rPr lang="es-ES" smtClean="0"/>
+              <a:rPr lang="es-ES"/>
               <a:t>Haga clic para modificar el estilo de texto del patrón</a:t>
             </a:r>
           </a:p>
           <a:p>
             <a:pPr lvl="1"/>
             <a:r>
-              <a:rPr lang="es-ES" smtClean="0"/>
+              <a:rPr lang="es-ES"/>
               <a:t>Segundo nivel</a:t>
             </a:r>
           </a:p>
           <a:p>
             <a:pPr lvl="2"/>
             <a:r>
-              <a:rPr lang="es-ES" smtClean="0"/>
+              <a:rPr lang="es-ES"/>
               <a:t>Tercer nivel</a:t>
             </a:r>
           </a:p>
           <a:p>
             <a:pPr lvl="3"/>
             <a:r>
-              <a:rPr lang="es-ES" smtClean="0"/>
+              <a:rPr lang="es-ES"/>
               <a:t>Cuarto nivel</a:t>
             </a:r>
           </a:p>
           <a:p>
             <a:pPr lvl="4"/>
             <a:r>
-              <a:rPr lang="es-ES" smtClean="0"/>
+              <a:rPr lang="es-ES"/>
               <a:t>Quinto nivel</a:t>
             </a:r>
             <a:endParaRPr lang="en-US" dirty="0"/>
@@ -3439,7 +3440,7 @@
           <a:p>
             <a:fld id="{42A54C80-263E-416B-A8E0-580EDEADCBDC}" type="datetimeFigureOut">
               <a:rPr lang="en-US" dirty="0"/>
-              <a:t>9/3/2021</a:t>
+              <a:t>9/24/2021</a:t>
             </a:fld>
             <a:endParaRPr lang="en-US" dirty="0"/>
           </a:p>
@@ -3532,7 +3533,7 @@
           </a:lstStyle>
           <a:p>
             <a:r>
-              <a:rPr lang="es-ES" smtClean="0"/>
+              <a:rPr lang="es-ES"/>
               <a:t>Haga clic para modificar el estilo de título del patrón</a:t>
             </a:r>
             <a:endParaRPr lang="en-US" dirty="0"/>
@@ -3600,7 +3601,7 @@
           <a:p>
             <a:pPr lvl="0"/>
             <a:r>
-              <a:rPr lang="es-ES" smtClean="0"/>
+              <a:rPr lang="es-ES"/>
               <a:t>Haga clic para modificar el estilo de texto del patrón</a:t>
             </a:r>
           </a:p>
@@ -3630,35 +3631,35 @@
           <a:p>
             <a:pPr lvl="0"/>
             <a:r>
-              <a:rPr lang="es-ES" smtClean="0"/>
+              <a:rPr lang="es-ES"/>
               <a:t>Haga clic para modificar el estilo de texto del patrón</a:t>
             </a:r>
           </a:p>
           <a:p>
             <a:pPr lvl="1"/>
             <a:r>
-              <a:rPr lang="es-ES" smtClean="0"/>
+              <a:rPr lang="es-ES"/>
               <a:t>Segundo nivel</a:t>
             </a:r>
           </a:p>
           <a:p>
             <a:pPr lvl="2"/>
             <a:r>
-              <a:rPr lang="es-ES" smtClean="0"/>
+              <a:rPr lang="es-ES"/>
               <a:t>Tercer nivel</a:t>
             </a:r>
           </a:p>
           <a:p>
             <a:pPr lvl="3"/>
             <a:r>
-              <a:rPr lang="es-ES" smtClean="0"/>
+              <a:rPr lang="es-ES"/>
               <a:t>Cuarto nivel</a:t>
             </a:r>
           </a:p>
           <a:p>
             <a:pPr lvl="4"/>
             <a:r>
-              <a:rPr lang="es-ES" smtClean="0"/>
+              <a:rPr lang="es-ES"/>
               <a:t>Quinto nivel</a:t>
             </a:r>
             <a:endParaRPr lang="en-US" dirty="0"/>
@@ -3726,7 +3727,7 @@
           <a:p>
             <a:pPr lvl="0"/>
             <a:r>
-              <a:rPr lang="es-ES" smtClean="0"/>
+              <a:rPr lang="es-ES"/>
               <a:t>Haga clic para modificar el estilo de texto del patrón</a:t>
             </a:r>
           </a:p>
@@ -3756,35 +3757,35 @@
           <a:p>
             <a:pPr lvl="0"/>
             <a:r>
-              <a:rPr lang="es-ES" smtClean="0"/>
+              <a:rPr lang="es-ES"/>
               <a:t>Haga clic para modificar el estilo de texto del patrón</a:t>
             </a:r>
           </a:p>
           <a:p>
             <a:pPr lvl="1"/>
             <a:r>
-              <a:rPr lang="es-ES" smtClean="0"/>
+              <a:rPr lang="es-ES"/>
               <a:t>Segundo nivel</a:t>
             </a:r>
           </a:p>
           <a:p>
             <a:pPr lvl="2"/>
             <a:r>
-              <a:rPr lang="es-ES" smtClean="0"/>
+              <a:rPr lang="es-ES"/>
               <a:t>Tercer nivel</a:t>
             </a:r>
           </a:p>
           <a:p>
             <a:pPr lvl="3"/>
             <a:r>
-              <a:rPr lang="es-ES" smtClean="0"/>
+              <a:rPr lang="es-ES"/>
               <a:t>Cuarto nivel</a:t>
             </a:r>
           </a:p>
           <a:p>
             <a:pPr lvl="4"/>
             <a:r>
-              <a:rPr lang="es-ES" smtClean="0"/>
+              <a:rPr lang="es-ES"/>
               <a:t>Quinto nivel</a:t>
             </a:r>
             <a:endParaRPr lang="en-US" dirty="0"/>
@@ -3809,7 +3810,7 @@
             <a:fld id="{B61BEF0D-F0BB-DE4B-95CE-6DB70DBA9567}" type="datetimeFigureOut">
               <a:rPr lang="en-US" dirty="0"/>
               <a:pPr/>
-              <a:t>9/3/2021</a:t>
+              <a:t>9/24/2021</a:t>
             </a:fld>
             <a:endParaRPr lang="en-US" dirty="0"/>
           </a:p>
@@ -3904,7 +3905,7 @@
           <a:lstStyle/>
           <a:p>
             <a:r>
-              <a:rPr lang="es-ES" smtClean="0"/>
+              <a:rPr lang="es-ES"/>
               <a:t>Haga clic para modificar el estilo de título del patrón</a:t>
             </a:r>
             <a:endParaRPr lang="en-US" dirty="0"/>
@@ -3929,7 +3930,7 @@
             <a:fld id="{B61BEF0D-F0BB-DE4B-95CE-6DB70DBA9567}" type="datetimeFigureOut">
               <a:rPr lang="en-US" dirty="0"/>
               <a:pPr/>
-              <a:t>9/3/2021</a:t>
+              <a:t>9/24/2021</a:t>
             </a:fld>
             <a:endParaRPr lang="en-US" dirty="0"/>
           </a:p>
@@ -4021,7 +4022,7 @@
             <a:fld id="{B61BEF0D-F0BB-DE4B-95CE-6DB70DBA9567}" type="datetimeFigureOut">
               <a:rPr lang="en-US" dirty="0"/>
               <a:pPr/>
-              <a:t>9/3/2021</a:t>
+              <a:t>9/24/2021</a:t>
             </a:fld>
             <a:endParaRPr lang="en-US" dirty="0"/>
           </a:p>
@@ -4122,7 +4123,7 @@
           </a:lstStyle>
           <a:p>
             <a:r>
-              <a:rPr lang="es-ES" smtClean="0"/>
+              <a:rPr lang="es-ES"/>
               <a:t>Haga clic para modificar el estilo de título del patrón</a:t>
             </a:r>
             <a:endParaRPr lang="en-US" dirty="0"/>
@@ -4153,35 +4154,35 @@
           <a:p>
             <a:pPr lvl="0"/>
             <a:r>
-              <a:rPr lang="es-ES" smtClean="0"/>
+              <a:rPr lang="es-ES"/>
               <a:t>Haga clic para modificar el estilo de texto del patrón</a:t>
             </a:r>
           </a:p>
           <a:p>
             <a:pPr lvl="1"/>
             <a:r>
-              <a:rPr lang="es-ES" smtClean="0"/>
+              <a:rPr lang="es-ES"/>
               <a:t>Segundo nivel</a:t>
             </a:r>
           </a:p>
           <a:p>
             <a:pPr lvl="2"/>
             <a:r>
-              <a:rPr lang="es-ES" smtClean="0"/>
+              <a:rPr lang="es-ES"/>
               <a:t>Tercer nivel</a:t>
             </a:r>
           </a:p>
           <a:p>
             <a:pPr lvl="3"/>
             <a:r>
-              <a:rPr lang="es-ES" smtClean="0"/>
+              <a:rPr lang="es-ES"/>
               <a:t>Cuarto nivel</a:t>
             </a:r>
           </a:p>
           <a:p>
             <a:pPr lvl="4"/>
             <a:r>
-              <a:rPr lang="es-ES" smtClean="0"/>
+              <a:rPr lang="es-ES"/>
               <a:t>Quinto nivel</a:t>
             </a:r>
             <a:endParaRPr lang="en-US" dirty="0"/>
@@ -4249,7 +4250,7 @@
           <a:p>
             <a:pPr lvl="0"/>
             <a:r>
-              <a:rPr lang="es-ES" smtClean="0"/>
+              <a:rPr lang="es-ES"/>
               <a:t>Haga clic para modificar el estilo de texto del patrón</a:t>
             </a:r>
           </a:p>
@@ -4272,7 +4273,7 @@
           <a:p>
             <a:fld id="{42A54C80-263E-416B-A8E0-580EDEADCBDC}" type="datetimeFigureOut">
               <a:rPr lang="en-US" dirty="0"/>
-              <a:t>9/3/2021</a:t>
+              <a:t>9/24/2021</a:t>
             </a:fld>
             <a:endParaRPr lang="en-US" dirty="0"/>
           </a:p>
@@ -4372,7 +4373,7 @@
           </a:lstStyle>
           <a:p>
             <a:r>
-              <a:rPr lang="es-ES" smtClean="0"/>
+              <a:rPr lang="es-ES"/>
               <a:t>Haga clic para modificar el estilo de título del patrón</a:t>
             </a:r>
             <a:endParaRPr lang="en-US" dirty="0"/>
@@ -4439,7 +4440,7 @@
           </a:lstStyle>
           <a:p>
             <a:r>
-              <a:rPr lang="es-ES" smtClean="0"/>
+              <a:rPr lang="es-ES"/>
               <a:t>Haga clic en el icono para agregar una imagen</a:t>
             </a:r>
             <a:endParaRPr lang="en-US" dirty="0"/>
@@ -4507,7 +4508,7 @@
           <a:p>
             <a:pPr lvl="0"/>
             <a:r>
-              <a:rPr lang="es-ES" smtClean="0"/>
+              <a:rPr lang="es-ES"/>
               <a:t>Haga clic para modificar el estilo de texto del patrón</a:t>
             </a:r>
           </a:p>
@@ -4574,7 +4575,7 @@
             <a:fld id="{B61BEF0D-F0BB-DE4B-95CE-6DB70DBA9567}" type="datetimeFigureOut">
               <a:rPr lang="en-US" dirty="0"/>
               <a:pPr/>
-              <a:t>9/3/2021</a:t>
+              <a:t>9/24/2021</a:t>
             </a:fld>
             <a:endParaRPr lang="en-US" dirty="0"/>
           </a:p>
@@ -5167,7 +5168,7 @@
           <a:lstStyle/>
           <a:p>
             <a:r>
-              <a:rPr lang="es-ES" smtClean="0"/>
+              <a:rPr lang="es-ES"/>
               <a:t>Haga clic para modificar el estilo de título del patrón</a:t>
             </a:r>
             <a:endParaRPr lang="en-US" dirty="0"/>
@@ -5201,35 +5202,35 @@
           <a:p>
             <a:pPr lvl="0"/>
             <a:r>
-              <a:rPr lang="es-ES" smtClean="0"/>
+              <a:rPr lang="es-ES"/>
               <a:t>Haga clic para modificar el estilo de texto del patrón</a:t>
             </a:r>
           </a:p>
           <a:p>
             <a:pPr lvl="1"/>
             <a:r>
-              <a:rPr lang="es-ES" smtClean="0"/>
+              <a:rPr lang="es-ES"/>
               <a:t>Segundo nivel</a:t>
             </a:r>
           </a:p>
           <a:p>
             <a:pPr lvl="2"/>
             <a:r>
-              <a:rPr lang="es-ES" smtClean="0"/>
+              <a:rPr lang="es-ES"/>
               <a:t>Tercer nivel</a:t>
             </a:r>
           </a:p>
           <a:p>
             <a:pPr lvl="3"/>
             <a:r>
-              <a:rPr lang="es-ES" smtClean="0"/>
+              <a:rPr lang="es-ES"/>
               <a:t>Cuarto nivel</a:t>
             </a:r>
           </a:p>
           <a:p>
             <a:pPr lvl="4"/>
             <a:r>
-              <a:rPr lang="es-ES" smtClean="0"/>
+              <a:rPr lang="es-ES"/>
               <a:t>Quinto nivel</a:t>
             </a:r>
             <a:endParaRPr lang="en-US" dirty="0"/>
@@ -5272,7 +5273,7 @@
             <a:fld id="{B61BEF0D-F0BB-DE4B-95CE-6DB70DBA9567}" type="datetimeFigureOut">
               <a:rPr lang="en-US" dirty="0"/>
               <a:pPr/>
-              <a:t>9/3/2021</a:t>
+              <a:t>9/24/2021</a:t>
             </a:fld>
             <a:endParaRPr lang="en-US" dirty="0"/>
           </a:p>
@@ -5808,10 +5809,9 @@
           <a:lstStyle/>
           <a:p>
             <a:r>
-              <a:rPr lang="es-ES" dirty="0" smtClean="0"/>
+              <a:rPr lang="es-ES" dirty="0"/>
               <a:t>Clasificados</a:t>
             </a:r>
-            <a:endParaRPr lang="es-ES" dirty="0"/>
           </a:p>
         </p:txBody>
       </p:sp>
@@ -5831,10 +5831,9 @@
           <a:lstStyle/>
           <a:p>
             <a:r>
-              <a:rPr lang="es-ES" dirty="0" smtClean="0"/>
+              <a:rPr lang="es-ES" dirty="0"/>
               <a:t>Aplicación Básica</a:t>
             </a:r>
-            <a:endParaRPr lang="es-ES" dirty="0"/>
           </a:p>
         </p:txBody>
       </p:sp>
@@ -5884,77 +5883,20 @@
           <a:lstStyle/>
           <a:p>
             <a:r>
-              <a:rPr lang="es-ES" dirty="0" smtClean="0"/>
-              <a:t>Vista</a:t>
-            </a:r>
-            <a:endParaRPr lang="es-ES" dirty="0"/>
-          </a:p>
-        </p:txBody>
-      </p:sp>
-      <p:pic>
-        <p:nvPicPr>
-          <p:cNvPr id="4" name="Marcador de contenido 3"/>
-          <p:cNvPicPr>
-            <a:picLocks noGrp="1" noChangeAspect="1"/>
-          </p:cNvPicPr>
+              <a:rPr lang="es-ES" dirty="0"/>
+              <a:t>Historias de usuario</a:t>
+            </a:r>
+          </a:p>
+        </p:txBody>
+      </p:sp>
+      <p:sp>
+        <p:nvSpPr>
+          <p:cNvPr id="3" name="Marcador de contenido 2"/>
+          <p:cNvSpPr>
+            <a:spLocks noGrp="1"/>
+          </p:cNvSpPr>
           <p:nvPr>
             <p:ph idx="1"/>
-          </p:nvPr>
-        </p:nvPicPr>
-        <p:blipFill>
-          <a:blip r:embed="rId2"/>
-          <a:stretch>
-            <a:fillRect/>
-          </a:stretch>
-        </p:blipFill>
-        <p:spPr>
-          <a:xfrm>
-            <a:off x="2790031" y="3505994"/>
-            <a:ext cx="4371975" cy="1190625"/>
-          </a:xfrm>
-          <a:prstGeom prst="rect">
-            <a:avLst/>
-          </a:prstGeom>
-        </p:spPr>
-      </p:pic>
-    </p:spTree>
-    <p:extLst>
-      <p:ext uri="{BB962C8B-B14F-4D97-AF65-F5344CB8AC3E}">
-        <p14:creationId xmlns:p14="http://schemas.microsoft.com/office/powerpoint/2010/main" val="1947840"/>
-      </p:ext>
-    </p:extLst>
-  </p:cSld>
-  <p:clrMapOvr>
-    <a:masterClrMapping/>
-  </p:clrMapOvr>
-</p:sld>
-</file>
-
-<file path=ppt/slides/slide11.xml><?xml version="1.0" encoding="utf-8"?>
-<p:sld xmlns:a="http://schemas.openxmlformats.org/drawingml/2006/main" xmlns:r="http://schemas.openxmlformats.org/officeDocument/2006/relationships" xmlns:p="http://schemas.openxmlformats.org/presentationml/2006/main">
-  <p:cSld>
-    <p:spTree>
-      <p:nvGrpSpPr>
-        <p:cNvPr id="1" name=""/>
-        <p:cNvGrpSpPr/>
-        <p:nvPr/>
-      </p:nvGrpSpPr>
-      <p:grpSpPr>
-        <a:xfrm>
-          <a:off x="0" y="0"/>
-          <a:ext cx="0" cy="0"/>
-          <a:chOff x="0" y="0"/>
-          <a:chExt cx="0" cy="0"/>
-        </a:xfrm>
-      </p:grpSpPr>
-      <p:sp>
-        <p:nvSpPr>
-          <p:cNvPr id="2" name="Título 1"/>
-          <p:cNvSpPr>
-            <a:spLocks noGrp="1"/>
-          </p:cNvSpPr>
-          <p:nvPr>
-            <p:ph type="title"/>
           </p:nvPr>
         </p:nvSpPr>
         <p:spPr/>
@@ -5963,790 +5905,22 @@
           <a:lstStyle/>
           <a:p>
             <a:r>
-              <a:rPr lang="es-ES" dirty="0" smtClean="0"/>
-              <a:t>Vista</a:t>
+              <a:rPr lang="es-CO" b="1" dirty="0"/>
+              <a:t>Historia de usuario #4:</a:t>
+            </a:r>
+            <a:r>
+              <a:rPr lang="es-CO" dirty="0"/>
+              <a:t> Se le mostrara al usuario una breve descripción con precios.</a:t>
             </a:r>
             <a:endParaRPr lang="es-ES" dirty="0"/>
           </a:p>
-        </p:txBody>
-      </p:sp>
-      <p:pic>
-        <p:nvPicPr>
-          <p:cNvPr id="4" name="Marcador de contenido 3"/>
-          <p:cNvPicPr>
-            <a:picLocks noGrp="1" noChangeAspect="1"/>
-          </p:cNvPicPr>
-          <p:nvPr>
-            <p:ph idx="1"/>
-          </p:nvPr>
-        </p:nvPicPr>
-        <p:blipFill>
-          <a:blip r:embed="rId2"/>
-          <a:stretch>
-            <a:fillRect/>
-          </a:stretch>
-        </p:blipFill>
-        <p:spPr>
-          <a:xfrm>
-            <a:off x="2594769" y="3510756"/>
-            <a:ext cx="4762500" cy="1181100"/>
-          </a:xfrm>
-          <a:prstGeom prst="rect">
-            <a:avLst/>
-          </a:prstGeom>
-        </p:spPr>
-      </p:pic>
-    </p:spTree>
-    <p:extLst>
-      <p:ext uri="{BB962C8B-B14F-4D97-AF65-F5344CB8AC3E}">
-        <p14:creationId xmlns:p14="http://schemas.microsoft.com/office/powerpoint/2010/main" val="234029905"/>
-      </p:ext>
-    </p:extLst>
-  </p:cSld>
-  <p:clrMapOvr>
-    <a:masterClrMapping/>
-  </p:clrMapOvr>
-</p:sld>
-</file>
-
-<file path=ppt/slides/slide12.xml><?xml version="1.0" encoding="utf-8"?>
-<p:sld xmlns:a="http://schemas.openxmlformats.org/drawingml/2006/main" xmlns:r="http://schemas.openxmlformats.org/officeDocument/2006/relationships" xmlns:p="http://schemas.openxmlformats.org/presentationml/2006/main">
-  <p:cSld>
-    <p:spTree>
-      <p:nvGrpSpPr>
-        <p:cNvPr id="1" name=""/>
-        <p:cNvGrpSpPr/>
-        <p:nvPr/>
-      </p:nvGrpSpPr>
-      <p:grpSpPr>
-        <a:xfrm>
-          <a:off x="0" y="0"/>
-          <a:ext cx="0" cy="0"/>
-          <a:chOff x="0" y="0"/>
-          <a:chExt cx="0" cy="0"/>
-        </a:xfrm>
-      </p:grpSpPr>
-      <p:sp>
-        <p:nvSpPr>
-          <p:cNvPr id="2" name="Título 1"/>
-          <p:cNvSpPr>
-            <a:spLocks noGrp="1"/>
-          </p:cNvSpPr>
-          <p:nvPr>
-            <p:ph type="title"/>
-          </p:nvPr>
-        </p:nvSpPr>
-        <p:spPr/>
-        <p:txBody>
-          <a:bodyPr/>
-          <a:lstStyle/>
-          <a:p>
-            <a:r>
-              <a:rPr lang="es-ES" dirty="0" smtClean="0"/>
-              <a:t>Vista</a:t>
-            </a:r>
-            <a:endParaRPr lang="es-ES" dirty="0"/>
-          </a:p>
-        </p:txBody>
-      </p:sp>
-      <p:pic>
-        <p:nvPicPr>
-          <p:cNvPr id="4" name="Marcador de contenido 3"/>
-          <p:cNvPicPr>
-            <a:picLocks noGrp="1" noChangeAspect="1"/>
-          </p:cNvPicPr>
-          <p:nvPr>
-            <p:ph idx="1"/>
-          </p:nvPr>
-        </p:nvPicPr>
-        <p:blipFill>
-          <a:blip r:embed="rId2"/>
-          <a:stretch>
-            <a:fillRect/>
-          </a:stretch>
-        </p:blipFill>
-        <p:spPr>
-          <a:xfrm>
-            <a:off x="1885156" y="3320256"/>
-            <a:ext cx="6181725" cy="1562100"/>
-          </a:xfrm>
-          <a:prstGeom prst="rect">
-            <a:avLst/>
-          </a:prstGeom>
-        </p:spPr>
-      </p:pic>
-    </p:spTree>
-    <p:extLst>
-      <p:ext uri="{BB962C8B-B14F-4D97-AF65-F5344CB8AC3E}">
-        <p14:creationId xmlns:p14="http://schemas.microsoft.com/office/powerpoint/2010/main" val="2517418246"/>
-      </p:ext>
-    </p:extLst>
-  </p:cSld>
-  <p:clrMapOvr>
-    <a:masterClrMapping/>
-  </p:clrMapOvr>
-</p:sld>
-</file>
-
-<file path=ppt/slides/slide13.xml><?xml version="1.0" encoding="utf-8"?>
-<p:sld xmlns:a="http://schemas.openxmlformats.org/drawingml/2006/main" xmlns:r="http://schemas.openxmlformats.org/officeDocument/2006/relationships" xmlns:p="http://schemas.openxmlformats.org/presentationml/2006/main">
-  <p:cSld>
-    <p:spTree>
-      <p:nvGrpSpPr>
-        <p:cNvPr id="1" name=""/>
-        <p:cNvGrpSpPr/>
-        <p:nvPr/>
-      </p:nvGrpSpPr>
-      <p:grpSpPr>
-        <a:xfrm>
-          <a:off x="0" y="0"/>
-          <a:ext cx="0" cy="0"/>
-          <a:chOff x="0" y="0"/>
-          <a:chExt cx="0" cy="0"/>
-        </a:xfrm>
-      </p:grpSpPr>
-      <p:sp>
-        <p:nvSpPr>
-          <p:cNvPr id="2" name="Título 1"/>
-          <p:cNvSpPr>
-            <a:spLocks noGrp="1"/>
-          </p:cNvSpPr>
-          <p:nvPr>
-            <p:ph type="title"/>
-          </p:nvPr>
-        </p:nvSpPr>
-        <p:spPr>
-          <a:xfrm>
-            <a:off x="1205457" y="2339546"/>
-            <a:ext cx="8596668" cy="1320800"/>
-          </a:xfrm>
-        </p:spPr>
-        <p:txBody>
-          <a:bodyPr>
-            <a:normAutofit/>
-          </a:bodyPr>
-          <a:lstStyle/>
-          <a:p>
-            <a:pPr algn="ctr"/>
-            <a:r>
-              <a:rPr lang="es-ES" sz="7200" dirty="0" smtClean="0"/>
-              <a:t>Gracias</a:t>
-            </a:r>
-            <a:endParaRPr lang="es-ES" sz="7200" dirty="0"/>
-          </a:p>
-        </p:txBody>
-      </p:sp>
-      <p:sp>
-        <p:nvSpPr>
-          <p:cNvPr id="3" name="Marcador de contenido 2"/>
-          <p:cNvSpPr>
-            <a:spLocks noGrp="1"/>
-          </p:cNvSpPr>
-          <p:nvPr>
-            <p:ph idx="1"/>
-          </p:nvPr>
-        </p:nvSpPr>
-        <p:spPr>
-          <a:xfrm>
-            <a:off x="1871820" y="3577497"/>
-            <a:ext cx="7263943" cy="1307541"/>
-          </a:xfrm>
-        </p:spPr>
-        <p:txBody>
-          <a:bodyPr>
-            <a:normAutofit/>
-          </a:bodyPr>
-          <a:lstStyle/>
-          <a:p>
-            <a:r>
-              <a:rPr lang="es-ES" sz="6600" dirty="0" smtClean="0"/>
-              <a:t>Por su atención</a:t>
-            </a:r>
-            <a:endParaRPr lang="es-ES" sz="6600" dirty="0"/>
-          </a:p>
-        </p:txBody>
-      </p:sp>
-    </p:spTree>
-    <p:extLst>
-      <p:ext uri="{BB962C8B-B14F-4D97-AF65-F5344CB8AC3E}">
-        <p14:creationId xmlns:p14="http://schemas.microsoft.com/office/powerpoint/2010/main" val="1545526867"/>
-      </p:ext>
-    </p:extLst>
-  </p:cSld>
-  <p:clrMapOvr>
-    <a:masterClrMapping/>
-  </p:clrMapOvr>
-</p:sld>
-</file>
-
-<file path=ppt/slides/slide2.xml><?xml version="1.0" encoding="utf-8"?>
-<p:sld xmlns:a="http://schemas.openxmlformats.org/drawingml/2006/main" xmlns:r="http://schemas.openxmlformats.org/officeDocument/2006/relationships" xmlns:p="http://schemas.openxmlformats.org/presentationml/2006/main">
-  <p:cSld>
-    <p:spTree>
-      <p:nvGrpSpPr>
-        <p:cNvPr id="1" name=""/>
-        <p:cNvGrpSpPr/>
-        <p:nvPr/>
-      </p:nvGrpSpPr>
-      <p:grpSpPr>
-        <a:xfrm>
-          <a:off x="0" y="0"/>
-          <a:ext cx="0" cy="0"/>
-          <a:chOff x="0" y="0"/>
-          <a:chExt cx="0" cy="0"/>
-        </a:xfrm>
-      </p:grpSpPr>
-      <p:sp>
-        <p:nvSpPr>
-          <p:cNvPr id="2" name="Título 1"/>
-          <p:cNvSpPr>
-            <a:spLocks noGrp="1"/>
-          </p:cNvSpPr>
-          <p:nvPr>
-            <p:ph type="title"/>
-          </p:nvPr>
-        </p:nvSpPr>
-        <p:spPr>
-          <a:xfrm>
-            <a:off x="677334" y="1474573"/>
-            <a:ext cx="8596668" cy="1320800"/>
-          </a:xfrm>
-        </p:spPr>
-        <p:txBody>
-          <a:bodyPr/>
-          <a:lstStyle/>
-          <a:p>
-            <a:r>
-              <a:rPr lang="es-ES" dirty="0" err="1" smtClean="0"/>
-              <a:t>Backlog</a:t>
-            </a:r>
-            <a:endParaRPr lang="es-ES" dirty="0"/>
-          </a:p>
-        </p:txBody>
-      </p:sp>
-      <p:sp>
-        <p:nvSpPr>
-          <p:cNvPr id="3" name="Marcador de contenido 2"/>
-          <p:cNvSpPr>
-            <a:spLocks noGrp="1"/>
-          </p:cNvSpPr>
-          <p:nvPr>
-            <p:ph idx="1"/>
-          </p:nvPr>
-        </p:nvSpPr>
-        <p:spPr>
-          <a:xfrm>
-            <a:off x="677334" y="2984373"/>
-            <a:ext cx="8596668" cy="664989"/>
-          </a:xfrm>
-        </p:spPr>
-        <p:txBody>
-          <a:bodyPr>
-            <a:normAutofit fontScale="92500"/>
-          </a:bodyPr>
-          <a:lstStyle/>
-          <a:p>
-            <a:pPr algn="just"/>
-            <a:r>
-              <a:rPr lang="es-ES" dirty="0" smtClean="0"/>
-              <a:t>Se requiere un programa que permita la visualización de clasificados de diferente índole, donde el usuario pueda elegir que tipo de clasificado desea observar.</a:t>
-            </a:r>
-            <a:endParaRPr lang="es-ES" dirty="0"/>
-          </a:p>
-        </p:txBody>
-      </p:sp>
-    </p:spTree>
-    <p:extLst>
-      <p:ext uri="{BB962C8B-B14F-4D97-AF65-F5344CB8AC3E}">
-        <p14:creationId xmlns:p14="http://schemas.microsoft.com/office/powerpoint/2010/main" val="1617146564"/>
-      </p:ext>
-    </p:extLst>
-  </p:cSld>
-  <p:clrMapOvr>
-    <a:masterClrMapping/>
-  </p:clrMapOvr>
-</p:sld>
-</file>
-
-<file path=ppt/slides/slide3.xml><?xml version="1.0" encoding="utf-8"?>
-<p:sld xmlns:a="http://schemas.openxmlformats.org/drawingml/2006/main" xmlns:r="http://schemas.openxmlformats.org/officeDocument/2006/relationships" xmlns:p="http://schemas.openxmlformats.org/presentationml/2006/main">
-  <p:cSld>
-    <p:spTree>
-      <p:nvGrpSpPr>
-        <p:cNvPr id="1" name=""/>
-        <p:cNvGrpSpPr/>
-        <p:nvPr/>
-      </p:nvGrpSpPr>
-      <p:grpSpPr>
-        <a:xfrm>
-          <a:off x="0" y="0"/>
-          <a:ext cx="0" cy="0"/>
-          <a:chOff x="0" y="0"/>
-          <a:chExt cx="0" cy="0"/>
-        </a:xfrm>
-      </p:grpSpPr>
-      <p:sp>
-        <p:nvSpPr>
-          <p:cNvPr id="2" name="Título 1"/>
-          <p:cNvSpPr>
-            <a:spLocks noGrp="1"/>
-          </p:cNvSpPr>
-          <p:nvPr>
-            <p:ph type="title"/>
-          </p:nvPr>
-        </p:nvSpPr>
-        <p:spPr/>
-        <p:txBody>
-          <a:bodyPr/>
-          <a:lstStyle/>
-          <a:p>
-            <a:r>
-              <a:rPr lang="es-ES" dirty="0"/>
-              <a:t>R</a:t>
-            </a:r>
-            <a:r>
-              <a:rPr lang="es-ES" dirty="0" smtClean="0"/>
-              <a:t>esponsables</a:t>
-            </a:r>
-            <a:endParaRPr lang="es-ES" dirty="0"/>
-          </a:p>
-        </p:txBody>
-      </p:sp>
-      <p:graphicFrame>
-        <p:nvGraphicFramePr>
-          <p:cNvPr id="5" name="Marcador de contenido 4"/>
-          <p:cNvGraphicFramePr>
-            <a:graphicFrameLocks noGrp="1"/>
-          </p:cNvGraphicFramePr>
-          <p:nvPr>
-            <p:ph idx="1"/>
-            <p:extLst>
-              <p:ext uri="{D42A27DB-BD31-4B8C-83A1-F6EECF244321}">
-                <p14:modId xmlns:p14="http://schemas.microsoft.com/office/powerpoint/2010/main" val="1296281796"/>
-              </p:ext>
-            </p:extLst>
-          </p:nvPr>
-        </p:nvGraphicFramePr>
-        <p:xfrm>
-          <a:off x="677863" y="2160588"/>
-          <a:ext cx="8596312" cy="1854200"/>
-        </p:xfrm>
-        <a:graphic>
-          <a:graphicData uri="http://schemas.openxmlformats.org/drawingml/2006/table">
-            <a:tbl>
-              <a:tblPr firstRow="1" bandRow="1">
-                <a:tableStyleId>{5C22544A-7EE6-4342-B048-85BDC9FD1C3A}</a:tableStyleId>
-              </a:tblPr>
-              <a:tblGrid>
-                <a:gridCol w="4298156"/>
-                <a:gridCol w="4298156"/>
-              </a:tblGrid>
-              <a:tr h="370840">
-                <a:tc>
-                  <a:txBody>
-                    <a:bodyPr/>
-                    <a:lstStyle/>
-                    <a:p>
-                      <a:r>
-                        <a:rPr lang="es-ES" dirty="0" smtClean="0"/>
-                        <a:t>ROL</a:t>
-                      </a:r>
-                      <a:endParaRPr lang="es-ES" dirty="0"/>
-                    </a:p>
-                  </a:txBody>
-                  <a:tcPr/>
-                </a:tc>
-                <a:tc>
-                  <a:txBody>
-                    <a:bodyPr/>
-                    <a:lstStyle/>
-                    <a:p>
-                      <a:r>
-                        <a:rPr lang="es-ES" dirty="0" smtClean="0"/>
-                        <a:t>MIEMBRO</a:t>
-                      </a:r>
-                      <a:endParaRPr lang="es-ES" dirty="0"/>
-                    </a:p>
-                  </a:txBody>
-                  <a:tcPr/>
-                </a:tc>
-              </a:tr>
-              <a:tr h="370840">
-                <a:tc>
-                  <a:txBody>
-                    <a:bodyPr/>
-                    <a:lstStyle/>
-                    <a:p>
-                      <a:r>
-                        <a:rPr lang="es-ES" dirty="0" err="1" smtClean="0"/>
-                        <a:t>Scrum</a:t>
-                      </a:r>
-                      <a:r>
-                        <a:rPr lang="es-ES" baseline="0" dirty="0" smtClean="0"/>
-                        <a:t> Master - </a:t>
-                      </a:r>
-                      <a:r>
-                        <a:rPr lang="es-ES" baseline="0" dirty="0" err="1" smtClean="0"/>
-                        <a:t>project</a:t>
-                      </a:r>
-                      <a:r>
-                        <a:rPr lang="es-ES" baseline="0" dirty="0" smtClean="0"/>
-                        <a:t> </a:t>
-                      </a:r>
-                      <a:r>
-                        <a:rPr lang="es-ES" baseline="0" dirty="0" err="1" smtClean="0"/>
-                        <a:t>owner</a:t>
-                      </a:r>
-                      <a:endParaRPr lang="es-ES" dirty="0"/>
-                    </a:p>
-                  </a:txBody>
-                  <a:tcPr/>
-                </a:tc>
-                <a:tc>
-                  <a:txBody>
-                    <a:bodyPr/>
-                    <a:lstStyle/>
-                    <a:p>
-                      <a:pPr marL="0" marR="0" indent="0" algn="l" defTabSz="457200" rtl="0" eaLnBrk="1" fontAlgn="auto" latinLnBrk="0" hangingPunct="1">
-                        <a:lnSpc>
-                          <a:spcPct val="100000"/>
-                        </a:lnSpc>
-                        <a:spcBef>
-                          <a:spcPts val="0"/>
-                        </a:spcBef>
-                        <a:spcAft>
-                          <a:spcPts val="0"/>
-                        </a:spcAft>
-                        <a:buClrTx/>
-                        <a:buSzTx/>
-                        <a:buFontTx/>
-                        <a:buNone/>
-                        <a:tabLst/>
-                        <a:defRPr/>
-                      </a:pPr>
-                      <a:r>
-                        <a:rPr lang="es-ES" dirty="0" smtClean="0"/>
-                        <a:t>CRIS</a:t>
-                      </a:r>
-                      <a:r>
-                        <a:rPr lang="es-ES" baseline="0" dirty="0" smtClean="0"/>
-                        <a:t> SOLANO</a:t>
-                      </a:r>
-                      <a:endParaRPr lang="es-ES" dirty="0"/>
-                    </a:p>
-                  </a:txBody>
-                  <a:tcPr/>
-                </a:tc>
-              </a:tr>
-              <a:tr h="370840">
-                <a:tc>
-                  <a:txBody>
-                    <a:bodyPr/>
-                    <a:lstStyle/>
-                    <a:p>
-                      <a:r>
-                        <a:rPr lang="es-ES" dirty="0" smtClean="0"/>
-                        <a:t>Equipo</a:t>
-                      </a:r>
-                      <a:endParaRPr lang="es-ES" dirty="0"/>
-                    </a:p>
-                  </a:txBody>
-                  <a:tcPr/>
-                </a:tc>
-                <a:tc>
-                  <a:txBody>
-                    <a:bodyPr/>
-                    <a:lstStyle/>
-                    <a:p>
-                      <a:r>
-                        <a:rPr lang="es-ES" dirty="0" smtClean="0"/>
-                        <a:t>Juan</a:t>
-                      </a:r>
-                      <a:r>
-                        <a:rPr lang="es-ES" baseline="0" dirty="0" smtClean="0"/>
-                        <a:t> </a:t>
-                      </a:r>
-                      <a:r>
-                        <a:rPr lang="es-ES" baseline="0" dirty="0" err="1" smtClean="0"/>
-                        <a:t>Jose</a:t>
-                      </a:r>
-                      <a:r>
-                        <a:rPr lang="es-ES" baseline="0" dirty="0" smtClean="0"/>
-                        <a:t> Agudelo</a:t>
-                      </a:r>
-                      <a:endParaRPr lang="es-ES" dirty="0"/>
-                    </a:p>
-                  </a:txBody>
-                  <a:tcPr/>
-                </a:tc>
-              </a:tr>
-              <a:tr h="370840">
-                <a:tc>
-                  <a:txBody>
-                    <a:bodyPr/>
-                    <a:lstStyle/>
-                    <a:p>
-                      <a:r>
-                        <a:rPr lang="es-ES" dirty="0" smtClean="0"/>
-                        <a:t>Equipo</a:t>
-                      </a:r>
-                      <a:endParaRPr lang="es-ES" dirty="0"/>
-                    </a:p>
-                  </a:txBody>
-                  <a:tcPr/>
-                </a:tc>
-                <a:tc>
-                  <a:txBody>
-                    <a:bodyPr/>
-                    <a:lstStyle/>
-                    <a:p>
-                      <a:r>
-                        <a:rPr lang="es-ES" dirty="0" smtClean="0"/>
-                        <a:t>Juan Camilo </a:t>
-                      </a:r>
-                      <a:r>
-                        <a:rPr lang="es-ES" dirty="0" err="1" smtClean="0"/>
-                        <a:t>Hernandez</a:t>
-                      </a:r>
-                      <a:endParaRPr lang="es-ES" dirty="0"/>
-                    </a:p>
-                  </a:txBody>
-                  <a:tcPr/>
-                </a:tc>
-              </a:tr>
-              <a:tr h="370840">
-                <a:tc>
-                  <a:txBody>
-                    <a:bodyPr/>
-                    <a:lstStyle/>
-                    <a:p>
-                      <a:r>
-                        <a:rPr lang="es-ES" dirty="0" smtClean="0"/>
-                        <a:t>Equipo</a:t>
-                      </a:r>
-                      <a:endParaRPr lang="es-ES" dirty="0"/>
-                    </a:p>
-                  </a:txBody>
-                  <a:tcPr/>
-                </a:tc>
-                <a:tc>
-                  <a:txBody>
-                    <a:bodyPr/>
-                    <a:lstStyle/>
-                    <a:p>
-                      <a:r>
-                        <a:rPr lang="es-ES" dirty="0" err="1" smtClean="0"/>
-                        <a:t>Julian</a:t>
-                      </a:r>
-                      <a:r>
-                        <a:rPr lang="es-ES" dirty="0" smtClean="0"/>
-                        <a:t> Franco</a:t>
-                      </a:r>
-                      <a:endParaRPr lang="es-ES" dirty="0"/>
-                    </a:p>
-                  </a:txBody>
-                  <a:tcPr/>
-                </a:tc>
-              </a:tr>
-            </a:tbl>
-          </a:graphicData>
-        </a:graphic>
-      </p:graphicFrame>
-    </p:spTree>
-    <p:extLst>
-      <p:ext uri="{BB962C8B-B14F-4D97-AF65-F5344CB8AC3E}">
-        <p14:creationId xmlns:p14="http://schemas.microsoft.com/office/powerpoint/2010/main" val="2528021729"/>
-      </p:ext>
-    </p:extLst>
-  </p:cSld>
-  <p:clrMapOvr>
-    <a:masterClrMapping/>
-  </p:clrMapOvr>
-</p:sld>
-</file>
-
-<file path=ppt/slides/slide4.xml><?xml version="1.0" encoding="utf-8"?>
-<p:sld xmlns:a="http://schemas.openxmlformats.org/drawingml/2006/main" xmlns:r="http://schemas.openxmlformats.org/officeDocument/2006/relationships" xmlns:p="http://schemas.openxmlformats.org/presentationml/2006/main">
-  <p:cSld>
-    <p:spTree>
-      <p:nvGrpSpPr>
-        <p:cNvPr id="1" name=""/>
-        <p:cNvGrpSpPr/>
-        <p:nvPr/>
-      </p:nvGrpSpPr>
-      <p:grpSpPr>
-        <a:xfrm>
-          <a:off x="0" y="0"/>
-          <a:ext cx="0" cy="0"/>
-          <a:chOff x="0" y="0"/>
-          <a:chExt cx="0" cy="0"/>
-        </a:xfrm>
-      </p:grpSpPr>
-      <p:sp>
-        <p:nvSpPr>
-          <p:cNvPr id="2" name="Título 1"/>
-          <p:cNvSpPr>
-            <a:spLocks noGrp="1"/>
-          </p:cNvSpPr>
-          <p:nvPr>
-            <p:ph type="title"/>
-          </p:nvPr>
-        </p:nvSpPr>
-        <p:spPr/>
-        <p:txBody>
-          <a:bodyPr/>
-          <a:lstStyle/>
-          <a:p>
-            <a:r>
-              <a:rPr lang="es-ES" dirty="0" smtClean="0"/>
-              <a:t>Requisitos</a:t>
-            </a:r>
-            <a:endParaRPr lang="es-ES" dirty="0"/>
-          </a:p>
-        </p:txBody>
-      </p:sp>
-      <p:sp>
-        <p:nvSpPr>
-          <p:cNvPr id="3" name="Marcador de contenido 2"/>
-          <p:cNvSpPr>
-            <a:spLocks noGrp="1"/>
-          </p:cNvSpPr>
-          <p:nvPr>
-            <p:ph idx="1"/>
-          </p:nvPr>
-        </p:nvSpPr>
-        <p:spPr/>
-        <p:txBody>
-          <a:bodyPr/>
-          <a:lstStyle/>
-          <a:p>
-            <a:r>
-              <a:rPr lang="es-ES" dirty="0"/>
-              <a:t>El usuario podrá visualizar los diferentes tipos de clasificados. </a:t>
-            </a:r>
-          </a:p>
-          <a:p>
-            <a:endParaRPr lang="es-ES" dirty="0"/>
-          </a:p>
-          <a:p>
-            <a:r>
-              <a:rPr lang="es-ES" dirty="0"/>
-              <a:t>El sistema mostrara un menú con las diferentes secciones de clasificados.</a:t>
-            </a:r>
-          </a:p>
-          <a:p>
-            <a:endParaRPr lang="es-ES" dirty="0"/>
-          </a:p>
-          <a:p>
-            <a:r>
-              <a:rPr lang="es-ES" dirty="0"/>
-              <a:t>El sistema se manejará por medio de una consola en JAVA.</a:t>
-            </a:r>
-          </a:p>
-          <a:p>
-            <a:endParaRPr lang="es-ES" dirty="0"/>
-          </a:p>
-          <a:p>
-            <a:r>
-              <a:rPr lang="es-ES" dirty="0"/>
-              <a:t>En cada categoría de los clasificados se mostrará la descripción completa con precios.</a:t>
-            </a:r>
-          </a:p>
-        </p:txBody>
-      </p:sp>
-    </p:spTree>
-    <p:extLst>
-      <p:ext uri="{BB962C8B-B14F-4D97-AF65-F5344CB8AC3E}">
-        <p14:creationId xmlns:p14="http://schemas.microsoft.com/office/powerpoint/2010/main" val="2193520983"/>
-      </p:ext>
-    </p:extLst>
-  </p:cSld>
-  <p:clrMapOvr>
-    <a:masterClrMapping/>
-  </p:clrMapOvr>
-</p:sld>
-</file>
-
-<file path=ppt/slides/slide5.xml><?xml version="1.0" encoding="utf-8"?>
-<p:sld xmlns:a="http://schemas.openxmlformats.org/drawingml/2006/main" xmlns:r="http://schemas.openxmlformats.org/officeDocument/2006/relationships" xmlns:p="http://schemas.openxmlformats.org/presentationml/2006/main">
-  <p:cSld>
-    <p:spTree>
-      <p:nvGrpSpPr>
-        <p:cNvPr id="1" name=""/>
-        <p:cNvGrpSpPr/>
-        <p:nvPr/>
-      </p:nvGrpSpPr>
-      <p:grpSpPr>
-        <a:xfrm>
-          <a:off x="0" y="0"/>
-          <a:ext cx="0" cy="0"/>
-          <a:chOff x="0" y="0"/>
-          <a:chExt cx="0" cy="0"/>
-        </a:xfrm>
-      </p:grpSpPr>
-      <p:sp>
-        <p:nvSpPr>
-          <p:cNvPr id="2" name="Título 1"/>
-          <p:cNvSpPr>
-            <a:spLocks noGrp="1"/>
-          </p:cNvSpPr>
-          <p:nvPr>
-            <p:ph type="title"/>
-          </p:nvPr>
-        </p:nvSpPr>
-        <p:spPr/>
-        <p:txBody>
-          <a:bodyPr/>
-          <a:lstStyle/>
-          <a:p>
-            <a:r>
-              <a:rPr lang="es-ES" dirty="0" smtClean="0"/>
-              <a:t>Historias de usuario</a:t>
-            </a:r>
-            <a:endParaRPr lang="es-ES" dirty="0"/>
-          </a:p>
-        </p:txBody>
-      </p:sp>
-      <p:sp>
-        <p:nvSpPr>
-          <p:cNvPr id="3" name="Marcador de contenido 2"/>
-          <p:cNvSpPr>
-            <a:spLocks noGrp="1"/>
-          </p:cNvSpPr>
-          <p:nvPr>
-            <p:ph idx="1"/>
-          </p:nvPr>
-        </p:nvSpPr>
-        <p:spPr/>
-        <p:txBody>
-          <a:bodyPr/>
-          <a:lstStyle/>
-          <a:p>
-            <a:r>
-              <a:rPr lang="es-CO" b="1" dirty="0"/>
-              <a:t>Historia de usuario #1: </a:t>
-            </a:r>
+          <a:p>
+            <a:pPr marL="0" indent="0">
+              <a:buNone/>
+            </a:pPr>
             <a:r>
               <a:rPr lang="es-CO" dirty="0"/>
-              <a:t>El usuario puede visualizar los tipos de clasificado, el que los compone y su descripción especifica.</a:t>
-            </a:r>
-            <a:r>
-              <a:rPr lang="es-CO" b="1" dirty="0"/>
-              <a:t> </a:t>
-            </a:r>
-            <a:endParaRPr lang="es-ES" dirty="0"/>
-          </a:p>
-          <a:p>
-            <a:pPr marL="0" indent="0">
-              <a:buNone/>
-            </a:pPr>
-            <a:r>
-              <a:rPr lang="es-CO" dirty="0"/>
-              <a:t>Tiempo </a:t>
-            </a:r>
-            <a:r>
-              <a:rPr lang="es-CO" dirty="0" smtClean="0"/>
-              <a:t>estimado</a:t>
+              <a:t>Tiempo estimado</a:t>
             </a:r>
           </a:p>
           <a:p>
@@ -6759,7 +5933,7 @@
             <a:pPr marL="0" indent="0">
               <a:buNone/>
             </a:pPr>
-            <a:endParaRPr lang="es-CO" dirty="0" smtClean="0"/>
+            <a:endParaRPr lang="es-CO" dirty="0"/>
           </a:p>
           <a:p>
             <a:pPr marL="0" indent="0">
@@ -6771,14 +5945,8 @@
             <a:pPr marL="0" indent="0">
               <a:buNone/>
             </a:pPr>
-            <a:endParaRPr lang="es-CO" dirty="0" smtClean="0"/>
-          </a:p>
-          <a:p>
-            <a:pPr marL="0" indent="0">
-              <a:buNone/>
-            </a:pPr>
-            <a:r>
-              <a:rPr lang="es-CO" dirty="0" smtClean="0"/>
+            <a:r>
+              <a:rPr lang="es-CO" dirty="0"/>
               <a:t>Complejidad – Esfuerzo</a:t>
             </a:r>
           </a:p>
@@ -6792,7 +5960,7 @@
             <a:pPr marL="0" indent="0">
               <a:buNone/>
             </a:pPr>
-            <a:endParaRPr lang="es-CO" dirty="0" smtClean="0"/>
+            <a:endParaRPr lang="es-CO" dirty="0"/>
           </a:p>
           <a:p>
             <a:pPr marL="0" indent="0">
@@ -6804,7 +5972,7 @@
             <a:pPr marL="0" indent="0">
               <a:buNone/>
             </a:pPr>
-            <a:endParaRPr lang="es-CO" dirty="0" smtClean="0"/>
+            <a:endParaRPr lang="es-CO" dirty="0"/>
           </a:p>
           <a:p>
             <a:pPr marL="0" indent="0">
@@ -6826,13 +5994,13 @@
           <p:nvPr>
             <p:extLst>
               <p:ext uri="{D42A27DB-BD31-4B8C-83A1-F6EECF244321}">
-                <p14:modId xmlns:p14="http://schemas.microsoft.com/office/powerpoint/2010/main" val="3118484220"/>
+                <p14:modId xmlns:p14="http://schemas.microsoft.com/office/powerpoint/2010/main" val="2630651063"/>
               </p:ext>
             </p:extLst>
           </p:nvPr>
         </p:nvGraphicFramePr>
         <p:xfrm>
-          <a:off x="3209131" y="3762343"/>
+          <a:off x="3225607" y="3391640"/>
           <a:ext cx="3533775" cy="656718"/>
         </p:xfrm>
         <a:graphic>
@@ -6842,10 +6010,34 @@
                 <a:tableStyleId>{5C22544A-7EE6-4342-B048-85BDC9FD1C3A}</a:tableStyleId>
               </a:tblPr>
               <a:tblGrid>
-                <a:gridCol w="888528"/>
-                <a:gridCol w="888528"/>
-                <a:gridCol w="887893"/>
-                <a:gridCol w="868826"/>
+                <a:gridCol w="888528">
+                  <a:extLst>
+                    <a:ext uri="{9D8B030D-6E8A-4147-A177-3AD203B41FA5}">
+                      <a16:colId xmlns:a16="http://schemas.microsoft.com/office/drawing/2014/main" val="20000"/>
+                    </a:ext>
+                  </a:extLst>
+                </a:gridCol>
+                <a:gridCol w="888528">
+                  <a:extLst>
+                    <a:ext uri="{9D8B030D-6E8A-4147-A177-3AD203B41FA5}">
+                      <a16:colId xmlns:a16="http://schemas.microsoft.com/office/drawing/2014/main" val="20001"/>
+                    </a:ext>
+                  </a:extLst>
+                </a:gridCol>
+                <a:gridCol w="887893">
+                  <a:extLst>
+                    <a:ext uri="{9D8B030D-6E8A-4147-A177-3AD203B41FA5}">
+                      <a16:colId xmlns:a16="http://schemas.microsoft.com/office/drawing/2014/main" val="20002"/>
+                    </a:ext>
+                  </a:extLst>
+                </a:gridCol>
+                <a:gridCol w="868826">
+                  <a:extLst>
+                    <a:ext uri="{9D8B030D-6E8A-4147-A177-3AD203B41FA5}">
+                      <a16:colId xmlns:a16="http://schemas.microsoft.com/office/drawing/2014/main" val="20003"/>
+                    </a:ext>
+                  </a:extLst>
+                </a:gridCol>
               </a:tblGrid>
               <a:tr h="0">
                 <a:tc>
@@ -6964,6 +6156,11 @@
                   </a:txBody>
                   <a:tcPr marL="63500" marR="63500" marT="63500" marB="63500"/>
                 </a:tc>
+                <a:extLst>
+                  <a:ext uri="{0D108BD9-81ED-4DB2-BD59-A6C34878D82A}">
+                    <a16:rowId xmlns:a16="http://schemas.microsoft.com/office/drawing/2014/main" val="10000"/>
+                  </a:ext>
+                </a:extLst>
               </a:tr>
               <a:tr h="0">
                 <a:tc>
@@ -6980,16 +6177,10 @@
                         </a:spcAft>
                       </a:pPr>
                       <a:r>
-                        <a:rPr lang="es-CO" sz="1300" dirty="0" smtClean="0">
-                          <a:effectLst/>
-                        </a:rPr>
-                        <a:t>1 </a:t>
-                      </a:r>
-                      <a:r>
                         <a:rPr lang="es-CO" sz="1300" dirty="0">
                           <a:effectLst/>
                         </a:rPr>
-                        <a:t>días </a:t>
+                        <a:t>1 días </a:t>
                       </a:r>
                       <a:endParaRPr lang="es-ES" sz="1100" dirty="0">
                         <a:effectLst/>
@@ -7015,16 +6206,10 @@
                         </a:spcAft>
                       </a:pPr>
                       <a:r>
-                        <a:rPr lang="es-CO" sz="1300" dirty="0" smtClean="0">
-                          <a:effectLst/>
-                        </a:rPr>
-                        <a:t>1 </a:t>
-                      </a:r>
-                      <a:r>
                         <a:rPr lang="es-CO" sz="1300" dirty="0">
                           <a:effectLst/>
                         </a:rPr>
-                        <a:t>días</a:t>
+                        <a:t>1 días</a:t>
                       </a:r>
                       <a:endParaRPr lang="es-ES" sz="1100" dirty="0">
                         <a:effectLst/>
@@ -7050,16 +6235,10 @@
                         </a:spcAft>
                       </a:pPr>
                       <a:r>
-                        <a:rPr lang="es-CO" sz="1300" dirty="0" smtClean="0">
-                          <a:effectLst/>
-                        </a:rPr>
-                        <a:t>1 </a:t>
-                      </a:r>
-                      <a:r>
                         <a:rPr lang="es-CO" sz="1300" dirty="0">
                           <a:effectLst/>
                         </a:rPr>
-                        <a:t>días</a:t>
+                        <a:t>1 días</a:t>
                       </a:r>
                       <a:endParaRPr lang="es-ES" sz="1100" dirty="0">
                         <a:effectLst/>
@@ -7085,16 +6264,10 @@
                         </a:spcAft>
                       </a:pPr>
                       <a:r>
-                        <a:rPr lang="es-CO" sz="1300" dirty="0" smtClean="0">
-                          <a:effectLst/>
-                        </a:rPr>
-                        <a:t>1 </a:t>
-                      </a:r>
-                      <a:r>
                         <a:rPr lang="es-CO" sz="1300" dirty="0">
                           <a:effectLst/>
                         </a:rPr>
-                        <a:t>días</a:t>
+                        <a:t>1 días</a:t>
                       </a:r>
                       <a:endParaRPr lang="es-ES" sz="1100" dirty="0">
                         <a:effectLst/>
@@ -7106,6 +6279,11 @@
                   </a:txBody>
                   <a:tcPr marL="63500" marR="63500" marT="63500" marB="63500"/>
                 </a:tc>
+                <a:extLst>
+                  <a:ext uri="{0D108BD9-81ED-4DB2-BD59-A6C34878D82A}">
+                    <a16:rowId xmlns:a16="http://schemas.microsoft.com/office/drawing/2014/main" val="10001"/>
+                  </a:ext>
+                </a:extLst>
               </a:tr>
             </a:tbl>
           </a:graphicData>
@@ -7120,13 +6298,13 @@
           <p:nvPr>
             <p:extLst>
               <p:ext uri="{D42A27DB-BD31-4B8C-83A1-F6EECF244321}">
-                <p14:modId xmlns:p14="http://schemas.microsoft.com/office/powerpoint/2010/main" val="1212262206"/>
+                <p14:modId xmlns:p14="http://schemas.microsoft.com/office/powerpoint/2010/main" val="1929122267"/>
               </p:ext>
             </p:extLst>
           </p:nvPr>
         </p:nvGraphicFramePr>
         <p:xfrm>
-          <a:off x="3281985" y="5384644"/>
+          <a:off x="3306699" y="5073387"/>
           <a:ext cx="3552824" cy="656718"/>
         </p:xfrm>
         <a:graphic>
@@ -7136,10 +6314,34 @@
                 <a:tableStyleId>{5C22544A-7EE6-4342-B048-85BDC9FD1C3A}</a:tableStyleId>
               </a:tblPr>
               <a:tblGrid>
-                <a:gridCol w="888524"/>
-                <a:gridCol w="888524"/>
-                <a:gridCol w="887888"/>
-                <a:gridCol w="887888"/>
+                <a:gridCol w="888524">
+                  <a:extLst>
+                    <a:ext uri="{9D8B030D-6E8A-4147-A177-3AD203B41FA5}">
+                      <a16:colId xmlns:a16="http://schemas.microsoft.com/office/drawing/2014/main" val="20000"/>
+                    </a:ext>
+                  </a:extLst>
+                </a:gridCol>
+                <a:gridCol w="888524">
+                  <a:extLst>
+                    <a:ext uri="{9D8B030D-6E8A-4147-A177-3AD203B41FA5}">
+                      <a16:colId xmlns:a16="http://schemas.microsoft.com/office/drawing/2014/main" val="20001"/>
+                    </a:ext>
+                  </a:extLst>
+                </a:gridCol>
+                <a:gridCol w="887888">
+                  <a:extLst>
+                    <a:ext uri="{9D8B030D-6E8A-4147-A177-3AD203B41FA5}">
+                      <a16:colId xmlns:a16="http://schemas.microsoft.com/office/drawing/2014/main" val="20002"/>
+                    </a:ext>
+                  </a:extLst>
+                </a:gridCol>
+                <a:gridCol w="887888">
+                  <a:extLst>
+                    <a:ext uri="{9D8B030D-6E8A-4147-A177-3AD203B41FA5}">
+                      <a16:colId xmlns:a16="http://schemas.microsoft.com/office/drawing/2014/main" val="20003"/>
+                    </a:ext>
+                  </a:extLst>
+                </a:gridCol>
               </a:tblGrid>
               <a:tr h="0">
                 <a:tc>
@@ -7258,6 +6460,11 @@
                   </a:txBody>
                   <a:tcPr marL="63500" marR="63500" marT="63500" marB="63500"/>
                 </a:tc>
+                <a:extLst>
+                  <a:ext uri="{0D108BD9-81ED-4DB2-BD59-A6C34878D82A}">
+                    <a16:rowId xmlns:a16="http://schemas.microsoft.com/office/drawing/2014/main" val="10000"/>
+                  </a:ext>
+                </a:extLst>
               </a:tr>
               <a:tr h="0">
                 <a:tc>
@@ -7274,13 +6481,13 @@
                         </a:spcAft>
                       </a:pPr>
                       <a:r>
-                        <a:rPr lang="es-CO" sz="1300" dirty="0" smtClean="0">
+                        <a:rPr lang="es-CO" sz="1300" dirty="0">
                           <a:effectLst/>
                           <a:latin typeface="+mn-lt"/>
                           <a:ea typeface="+mn-ea"/>
                           <a:cs typeface="+mn-cs"/>
                         </a:rPr>
-                        <a:t>2</a:t>
+                        <a:t>1</a:t>
                       </a:r>
                       <a:endParaRPr lang="es-ES" sz="1100" dirty="0">
                         <a:effectLst/>
@@ -7306,13 +6513,39 @@
                         </a:spcAft>
                       </a:pPr>
                       <a:r>
-                        <a:rPr lang="es-CO" sz="1300" dirty="0" smtClean="0">
+                        <a:rPr lang="es-ES" sz="1100" dirty="0">
+                          <a:effectLst/>
+                          <a:latin typeface="Calibri" panose="020F0502020204030204" pitchFamily="34" charset="0"/>
+                          <a:ea typeface="Calibri" panose="020F0502020204030204" pitchFamily="34" charset="0"/>
+                          <a:cs typeface="Times New Roman" panose="02020603050405020304" pitchFamily="18" charset="0"/>
+                        </a:rPr>
+                        <a:t>1</a:t>
+                      </a:r>
+                    </a:p>
+                  </a:txBody>
+                  <a:tcPr marL="63500" marR="63500" marT="63500" marB="63500"/>
+                </a:tc>
+                <a:tc>
+                  <a:txBody>
+                    <a:bodyPr/>
+                    <a:lstStyle/>
+                    <a:p>
+                      <a:pPr>
+                        <a:lnSpc>
+                          <a:spcPct val="107000"/>
+                        </a:lnSpc>
+                        <a:spcAft>
+                          <a:spcPts val="800"/>
+                        </a:spcAft>
+                      </a:pPr>
+                      <a:r>
+                        <a:rPr lang="es-CO" sz="1300" dirty="0">
                           <a:effectLst/>
                           <a:latin typeface="+mn-lt"/>
                           <a:ea typeface="+mn-ea"/>
                           <a:cs typeface="+mn-cs"/>
                         </a:rPr>
-                        <a:t>2</a:t>
+                        <a:t>1</a:t>
                       </a:r>
                       <a:endParaRPr lang="es-ES" sz="1100" dirty="0">
                         <a:effectLst/>
@@ -7338,13 +6571,13 @@
                         </a:spcAft>
                       </a:pPr>
                       <a:r>
-                        <a:rPr lang="es-CO" sz="1300" dirty="0" smtClean="0">
+                        <a:rPr lang="es-CO" sz="1300" dirty="0">
                           <a:effectLst/>
                           <a:latin typeface="+mn-lt"/>
                           <a:ea typeface="+mn-ea"/>
                           <a:cs typeface="+mn-cs"/>
                         </a:rPr>
-                        <a:t>2</a:t>
+                        <a:t>1</a:t>
                       </a:r>
                       <a:endParaRPr lang="es-ES" sz="1100" dirty="0">
                         <a:effectLst/>
@@ -7356,38 +6589,11 @@
                   </a:txBody>
                   <a:tcPr marL="63500" marR="63500" marT="63500" marB="63500"/>
                 </a:tc>
-                <a:tc>
-                  <a:txBody>
-                    <a:bodyPr/>
-                    <a:lstStyle/>
-                    <a:p>
-                      <a:pPr>
-                        <a:lnSpc>
-                          <a:spcPct val="107000"/>
-                        </a:lnSpc>
-                        <a:spcAft>
-                          <a:spcPts val="800"/>
-                        </a:spcAft>
-                      </a:pPr>
-                      <a:r>
-                        <a:rPr lang="es-CO" sz="1300" dirty="0" smtClean="0">
-                          <a:effectLst/>
-                          <a:latin typeface="+mn-lt"/>
-                          <a:ea typeface="+mn-ea"/>
-                          <a:cs typeface="+mn-cs"/>
-                        </a:rPr>
-                        <a:t>2</a:t>
-                      </a:r>
-                      <a:endParaRPr lang="es-ES" sz="1100" dirty="0">
-                        <a:effectLst/>
-                        <a:latin typeface="Calibri" panose="020F0502020204030204" pitchFamily="34" charset="0"/>
-                        <a:ea typeface="Calibri" panose="020F0502020204030204" pitchFamily="34" charset="0"/>
-                        <a:cs typeface="Times New Roman" panose="02020603050405020304" pitchFamily="18" charset="0"/>
-                      </a:endParaRPr>
-                    </a:p>
-                  </a:txBody>
-                  <a:tcPr marL="63500" marR="63500" marT="63500" marB="63500"/>
-                </a:tc>
+                <a:extLst>
+                  <a:ext uri="{0D108BD9-81ED-4DB2-BD59-A6C34878D82A}">
+                    <a16:rowId xmlns:a16="http://schemas.microsoft.com/office/drawing/2014/main" val="10001"/>
+                  </a:ext>
+                </a:extLst>
               </a:tr>
             </a:tbl>
           </a:graphicData>
@@ -7396,7 +6602,1334 @@
     </p:spTree>
     <p:extLst>
       <p:ext uri="{BB962C8B-B14F-4D97-AF65-F5344CB8AC3E}">
-        <p14:creationId xmlns:p14="http://schemas.microsoft.com/office/powerpoint/2010/main" val="4534808"/>
+        <p14:creationId xmlns:p14="http://schemas.microsoft.com/office/powerpoint/2010/main" val="475370658"/>
+      </p:ext>
+    </p:extLst>
+  </p:cSld>
+  <p:clrMapOvr>
+    <a:masterClrMapping/>
+  </p:clrMapOvr>
+</p:sld>
+</file>
+
+<file path=ppt/slides/slide11.xml><?xml version="1.0" encoding="utf-8"?>
+<p:sld xmlns:a="http://schemas.openxmlformats.org/drawingml/2006/main" xmlns:r="http://schemas.openxmlformats.org/officeDocument/2006/relationships" xmlns:p="http://schemas.openxmlformats.org/presentationml/2006/main">
+  <p:cSld>
+    <p:spTree>
+      <p:nvGrpSpPr>
+        <p:cNvPr id="1" name=""/>
+        <p:cNvGrpSpPr/>
+        <p:nvPr/>
+      </p:nvGrpSpPr>
+      <p:grpSpPr>
+        <a:xfrm>
+          <a:off x="0" y="0"/>
+          <a:ext cx="0" cy="0"/>
+          <a:chOff x="0" y="0"/>
+          <a:chExt cx="0" cy="0"/>
+        </a:xfrm>
+      </p:grpSpPr>
+      <p:sp>
+        <p:nvSpPr>
+          <p:cNvPr id="2" name="Título 1">
+            <a:extLst>
+              <a:ext uri="{FF2B5EF4-FFF2-40B4-BE49-F238E27FC236}">
+                <a16:creationId xmlns:a16="http://schemas.microsoft.com/office/drawing/2014/main" id="{BD6FEB74-E2EC-4B3D-8154-718CC8629E39}"/>
+              </a:ext>
+            </a:extLst>
+          </p:cNvPr>
+          <p:cNvSpPr>
+            <a:spLocks noGrp="1"/>
+          </p:cNvSpPr>
+          <p:nvPr>
+            <p:ph type="title"/>
+          </p:nvPr>
+        </p:nvSpPr>
+        <p:spPr/>
+        <p:txBody>
+          <a:bodyPr/>
+          <a:lstStyle/>
+          <a:p>
+            <a:r>
+              <a:rPr lang="es-ES" dirty="0"/>
+              <a:t>Vistas</a:t>
+            </a:r>
+            <a:endParaRPr lang="es-CO" dirty="0"/>
+          </a:p>
+        </p:txBody>
+      </p:sp>
+      <p:pic>
+        <p:nvPicPr>
+          <p:cNvPr id="21" name="Imagen 20" descr="Interfaz de usuario gráfica, Aplicación&#10;&#10;Descripción generada automáticamente">
+            <a:extLst>
+              <a:ext uri="{FF2B5EF4-FFF2-40B4-BE49-F238E27FC236}">
+                <a16:creationId xmlns:a16="http://schemas.microsoft.com/office/drawing/2014/main" id="{179AA56B-8B4C-4D32-A4F5-CD0543E32E3F}"/>
+              </a:ext>
+            </a:extLst>
+          </p:cNvPr>
+          <p:cNvPicPr>
+            <a:picLocks noChangeAspect="1"/>
+          </p:cNvPicPr>
+          <p:nvPr/>
+        </p:nvPicPr>
+        <p:blipFill>
+          <a:blip r:embed="rId2"/>
+          <a:stretch>
+            <a:fillRect/>
+          </a:stretch>
+        </p:blipFill>
+        <p:spPr>
+          <a:xfrm>
+            <a:off x="8608461" y="5154630"/>
+            <a:ext cx="2495550" cy="1171575"/>
+          </a:xfrm>
+          <a:prstGeom prst="rect">
+            <a:avLst/>
+          </a:prstGeom>
+        </p:spPr>
+      </p:pic>
+      <p:pic>
+        <p:nvPicPr>
+          <p:cNvPr id="23" name="Imagen 22" descr="Interfaz de usuario gráfica, Aplicación&#10;&#10;Descripción generada automáticamente">
+            <a:extLst>
+              <a:ext uri="{FF2B5EF4-FFF2-40B4-BE49-F238E27FC236}">
+                <a16:creationId xmlns:a16="http://schemas.microsoft.com/office/drawing/2014/main" id="{6FBE919B-91BC-497E-909D-07A65CD3E434}"/>
+              </a:ext>
+            </a:extLst>
+          </p:cNvPr>
+          <p:cNvPicPr>
+            <a:picLocks noChangeAspect="1"/>
+          </p:cNvPicPr>
+          <p:nvPr/>
+        </p:nvPicPr>
+        <p:blipFill>
+          <a:blip r:embed="rId3"/>
+          <a:stretch>
+            <a:fillRect/>
+          </a:stretch>
+        </p:blipFill>
+        <p:spPr>
+          <a:xfrm>
+            <a:off x="5559940" y="5284104"/>
+            <a:ext cx="2543175" cy="1114425"/>
+          </a:xfrm>
+          <a:prstGeom prst="rect">
+            <a:avLst/>
+          </a:prstGeom>
+        </p:spPr>
+      </p:pic>
+      <p:pic>
+        <p:nvPicPr>
+          <p:cNvPr id="25" name="Imagen 24" descr="Interfaz de usuario gráfica, Aplicación, Word&#10;&#10;Descripción generada automáticamente">
+            <a:extLst>
+              <a:ext uri="{FF2B5EF4-FFF2-40B4-BE49-F238E27FC236}">
+                <a16:creationId xmlns:a16="http://schemas.microsoft.com/office/drawing/2014/main" id="{9EC9FF2D-5B42-4FE9-B4AC-4D5CE4EDC7D6}"/>
+              </a:ext>
+            </a:extLst>
+          </p:cNvPr>
+          <p:cNvPicPr>
+            <a:picLocks noChangeAspect="1"/>
+          </p:cNvPicPr>
+          <p:nvPr/>
+        </p:nvPicPr>
+        <p:blipFill>
+          <a:blip r:embed="rId4"/>
+          <a:stretch>
+            <a:fillRect/>
+          </a:stretch>
+        </p:blipFill>
+        <p:spPr>
+          <a:xfrm>
+            <a:off x="6743940" y="3266633"/>
+            <a:ext cx="5076825" cy="1304925"/>
+          </a:xfrm>
+          <a:prstGeom prst="rect">
+            <a:avLst/>
+          </a:prstGeom>
+        </p:spPr>
+      </p:pic>
+      <p:pic>
+        <p:nvPicPr>
+          <p:cNvPr id="27" name="Imagen 26" descr="Interfaz de usuario gráfica, Aplicación, Word&#10;&#10;Descripción generada automáticamente">
+            <a:extLst>
+              <a:ext uri="{FF2B5EF4-FFF2-40B4-BE49-F238E27FC236}">
+                <a16:creationId xmlns:a16="http://schemas.microsoft.com/office/drawing/2014/main" id="{3C2B4734-B792-46C9-990A-2B33CF2BE20A}"/>
+              </a:ext>
+            </a:extLst>
+          </p:cNvPr>
+          <p:cNvPicPr>
+            <a:picLocks noChangeAspect="1"/>
+          </p:cNvPicPr>
+          <p:nvPr/>
+        </p:nvPicPr>
+        <p:blipFill>
+          <a:blip r:embed="rId5"/>
+          <a:stretch>
+            <a:fillRect/>
+          </a:stretch>
+        </p:blipFill>
+        <p:spPr>
+          <a:xfrm>
+            <a:off x="9282353" y="1616758"/>
+            <a:ext cx="2514600" cy="1162050"/>
+          </a:xfrm>
+          <a:prstGeom prst="rect">
+            <a:avLst/>
+          </a:prstGeom>
+        </p:spPr>
+      </p:pic>
+      <p:pic>
+        <p:nvPicPr>
+          <p:cNvPr id="29" name="Imagen 28" descr="Interfaz de usuario gráfica, Aplicación&#10;&#10;Descripción generada automáticamente">
+            <a:extLst>
+              <a:ext uri="{FF2B5EF4-FFF2-40B4-BE49-F238E27FC236}">
+                <a16:creationId xmlns:a16="http://schemas.microsoft.com/office/drawing/2014/main" id="{68F1D74B-3CC0-404F-9589-9492AF08DA95}"/>
+              </a:ext>
+            </a:extLst>
+          </p:cNvPr>
+          <p:cNvPicPr>
+            <a:picLocks noChangeAspect="1"/>
+          </p:cNvPicPr>
+          <p:nvPr/>
+        </p:nvPicPr>
+        <p:blipFill>
+          <a:blip r:embed="rId6"/>
+          <a:stretch>
+            <a:fillRect/>
+          </a:stretch>
+        </p:blipFill>
+        <p:spPr>
+          <a:xfrm>
+            <a:off x="784668" y="5064143"/>
+            <a:ext cx="4191000" cy="1352550"/>
+          </a:xfrm>
+          <a:prstGeom prst="rect">
+            <a:avLst/>
+          </a:prstGeom>
+        </p:spPr>
+      </p:pic>
+      <p:pic>
+        <p:nvPicPr>
+          <p:cNvPr id="35" name="Imagen 34" descr="Interfaz de usuario gráfica, Aplicación, Word&#10;&#10;Descripción generada automáticamente">
+            <a:extLst>
+              <a:ext uri="{FF2B5EF4-FFF2-40B4-BE49-F238E27FC236}">
+                <a16:creationId xmlns:a16="http://schemas.microsoft.com/office/drawing/2014/main" id="{98E7B658-6241-49BB-B8D7-FA213828DE8A}"/>
+              </a:ext>
+            </a:extLst>
+          </p:cNvPr>
+          <p:cNvPicPr>
+            <a:picLocks noChangeAspect="1"/>
+          </p:cNvPicPr>
+          <p:nvPr/>
+        </p:nvPicPr>
+        <p:blipFill>
+          <a:blip r:embed="rId7"/>
+          <a:stretch>
+            <a:fillRect/>
+          </a:stretch>
+        </p:blipFill>
+        <p:spPr>
+          <a:xfrm>
+            <a:off x="6481726" y="1631046"/>
+            <a:ext cx="2533650" cy="1143000"/>
+          </a:xfrm>
+          <a:prstGeom prst="rect">
+            <a:avLst/>
+          </a:prstGeom>
+        </p:spPr>
+      </p:pic>
+      <p:pic>
+        <p:nvPicPr>
+          <p:cNvPr id="37" name="Imagen 36" descr="Interfaz de usuario gráfica, Aplicación&#10;&#10;Descripción generada automáticamente">
+            <a:extLst>
+              <a:ext uri="{FF2B5EF4-FFF2-40B4-BE49-F238E27FC236}">
+                <a16:creationId xmlns:a16="http://schemas.microsoft.com/office/drawing/2014/main" id="{C35CCB3C-E209-47C2-A5C7-D1D5208772B5}"/>
+              </a:ext>
+            </a:extLst>
+          </p:cNvPr>
+          <p:cNvPicPr>
+            <a:picLocks noChangeAspect="1"/>
+          </p:cNvPicPr>
+          <p:nvPr/>
+        </p:nvPicPr>
+        <p:blipFill>
+          <a:blip r:embed="rId8"/>
+          <a:stretch>
+            <a:fillRect/>
+          </a:stretch>
+        </p:blipFill>
+        <p:spPr>
+          <a:xfrm>
+            <a:off x="1219844" y="3228532"/>
+            <a:ext cx="4181475" cy="1381125"/>
+          </a:xfrm>
+          <a:prstGeom prst="rect">
+            <a:avLst/>
+          </a:prstGeom>
+        </p:spPr>
+      </p:pic>
+      <p:pic>
+        <p:nvPicPr>
+          <p:cNvPr id="39" name="Imagen 38" descr="Interfaz de usuario gráfica, Aplicación, Word&#10;&#10;Descripción generada automáticamente">
+            <a:extLst>
+              <a:ext uri="{FF2B5EF4-FFF2-40B4-BE49-F238E27FC236}">
+                <a16:creationId xmlns:a16="http://schemas.microsoft.com/office/drawing/2014/main" id="{569D1A41-E9FF-4E1C-98EC-20B44AD13F36}"/>
+              </a:ext>
+            </a:extLst>
+          </p:cNvPr>
+          <p:cNvPicPr>
+            <a:picLocks noChangeAspect="1"/>
+          </p:cNvPicPr>
+          <p:nvPr/>
+        </p:nvPicPr>
+        <p:blipFill>
+          <a:blip r:embed="rId9"/>
+          <a:stretch>
+            <a:fillRect/>
+          </a:stretch>
+        </p:blipFill>
+        <p:spPr>
+          <a:xfrm>
+            <a:off x="3801224" y="1621521"/>
+            <a:ext cx="2514600" cy="1152525"/>
+          </a:xfrm>
+          <a:prstGeom prst="rect">
+            <a:avLst/>
+          </a:prstGeom>
+        </p:spPr>
+      </p:pic>
+      <p:pic>
+        <p:nvPicPr>
+          <p:cNvPr id="41" name="Imagen 40" descr="Interfaz de usuario gráfica&#10;&#10;Descripción generada automáticamente">
+            <a:extLst>
+              <a:ext uri="{FF2B5EF4-FFF2-40B4-BE49-F238E27FC236}">
+                <a16:creationId xmlns:a16="http://schemas.microsoft.com/office/drawing/2014/main" id="{E60EBA9A-18CB-4F81-A688-36441C8C1695}"/>
+              </a:ext>
+            </a:extLst>
+          </p:cNvPr>
+          <p:cNvPicPr>
+            <a:picLocks noChangeAspect="1"/>
+          </p:cNvPicPr>
+          <p:nvPr/>
+        </p:nvPicPr>
+        <p:blipFill>
+          <a:blip r:embed="rId10"/>
+          <a:stretch>
+            <a:fillRect/>
+          </a:stretch>
+        </p:blipFill>
+        <p:spPr>
+          <a:xfrm>
+            <a:off x="677334" y="1592946"/>
+            <a:ext cx="2838450" cy="1181100"/>
+          </a:xfrm>
+          <a:prstGeom prst="rect">
+            <a:avLst/>
+          </a:prstGeom>
+        </p:spPr>
+      </p:pic>
+    </p:spTree>
+    <p:extLst>
+      <p:ext uri="{BB962C8B-B14F-4D97-AF65-F5344CB8AC3E}">
+        <p14:creationId xmlns:p14="http://schemas.microsoft.com/office/powerpoint/2010/main" val="2425448294"/>
+      </p:ext>
+    </p:extLst>
+  </p:cSld>
+  <p:clrMapOvr>
+    <a:masterClrMapping/>
+  </p:clrMapOvr>
+</p:sld>
+</file>
+
+<file path=ppt/slides/slide12.xml><?xml version="1.0" encoding="utf-8"?>
+<p:sld xmlns:a="http://schemas.openxmlformats.org/drawingml/2006/main" xmlns:r="http://schemas.openxmlformats.org/officeDocument/2006/relationships" xmlns:p="http://schemas.openxmlformats.org/presentationml/2006/main">
+  <p:cSld>
+    <p:spTree>
+      <p:nvGrpSpPr>
+        <p:cNvPr id="1" name=""/>
+        <p:cNvGrpSpPr/>
+        <p:nvPr/>
+      </p:nvGrpSpPr>
+      <p:grpSpPr>
+        <a:xfrm>
+          <a:off x="0" y="0"/>
+          <a:ext cx="0" cy="0"/>
+          <a:chOff x="0" y="0"/>
+          <a:chExt cx="0" cy="0"/>
+        </a:xfrm>
+      </p:grpSpPr>
+      <p:sp>
+        <p:nvSpPr>
+          <p:cNvPr id="2" name="Título 1">
+            <a:extLst>
+              <a:ext uri="{FF2B5EF4-FFF2-40B4-BE49-F238E27FC236}">
+                <a16:creationId xmlns:a16="http://schemas.microsoft.com/office/drawing/2014/main" id="{23F5B31B-65BC-4776-A7D1-F5C2A2611CA8}"/>
+              </a:ext>
+            </a:extLst>
+          </p:cNvPr>
+          <p:cNvSpPr>
+            <a:spLocks noGrp="1"/>
+          </p:cNvSpPr>
+          <p:nvPr>
+            <p:ph type="title"/>
+          </p:nvPr>
+        </p:nvSpPr>
+        <p:spPr/>
+        <p:txBody>
+          <a:bodyPr/>
+          <a:lstStyle/>
+          <a:p>
+            <a:r>
+              <a:rPr lang="es-ES" dirty="0"/>
+              <a:t>Kanban</a:t>
+            </a:r>
+            <a:endParaRPr lang="es-CO" dirty="0"/>
+          </a:p>
+        </p:txBody>
+      </p:sp>
+      <p:pic>
+        <p:nvPicPr>
+          <p:cNvPr id="4" name="Marcador de contenido 3">
+            <a:extLst>
+              <a:ext uri="{FF2B5EF4-FFF2-40B4-BE49-F238E27FC236}">
+                <a16:creationId xmlns:a16="http://schemas.microsoft.com/office/drawing/2014/main" id="{DF116FB7-6B80-4DE4-8E1C-61BF81B85E27}"/>
+              </a:ext>
+            </a:extLst>
+          </p:cNvPr>
+          <p:cNvPicPr>
+            <a:picLocks noGrp="1"/>
+          </p:cNvPicPr>
+          <p:nvPr>
+            <p:ph idx="1"/>
+          </p:nvPr>
+        </p:nvPicPr>
+        <p:blipFill>
+          <a:blip r:embed="rId2"/>
+          <a:stretch>
+            <a:fillRect/>
+          </a:stretch>
+        </p:blipFill>
+        <p:spPr>
+          <a:xfrm>
+            <a:off x="1843671" y="1703388"/>
+            <a:ext cx="6917837" cy="3881437"/>
+          </a:xfrm>
+          <a:prstGeom prst="rect">
+            <a:avLst/>
+          </a:prstGeom>
+        </p:spPr>
+      </p:pic>
+    </p:spTree>
+    <p:extLst>
+      <p:ext uri="{BB962C8B-B14F-4D97-AF65-F5344CB8AC3E}">
+        <p14:creationId xmlns:p14="http://schemas.microsoft.com/office/powerpoint/2010/main" val="1685541934"/>
+      </p:ext>
+    </p:extLst>
+  </p:cSld>
+  <p:clrMapOvr>
+    <a:masterClrMapping/>
+  </p:clrMapOvr>
+</p:sld>
+</file>
+
+<file path=ppt/slides/slide13.xml><?xml version="1.0" encoding="utf-8"?>
+<p:sld xmlns:a="http://schemas.openxmlformats.org/drawingml/2006/main" xmlns:r="http://schemas.openxmlformats.org/officeDocument/2006/relationships" xmlns:p="http://schemas.openxmlformats.org/presentationml/2006/main">
+  <p:cSld>
+    <p:spTree>
+      <p:nvGrpSpPr>
+        <p:cNvPr id="1" name=""/>
+        <p:cNvGrpSpPr/>
+        <p:nvPr/>
+      </p:nvGrpSpPr>
+      <p:grpSpPr>
+        <a:xfrm>
+          <a:off x="0" y="0"/>
+          <a:ext cx="0" cy="0"/>
+          <a:chOff x="0" y="0"/>
+          <a:chExt cx="0" cy="0"/>
+        </a:xfrm>
+      </p:grpSpPr>
+      <p:sp>
+        <p:nvSpPr>
+          <p:cNvPr id="2" name="Título 1">
+            <a:extLst>
+              <a:ext uri="{FF2B5EF4-FFF2-40B4-BE49-F238E27FC236}">
+                <a16:creationId xmlns:a16="http://schemas.microsoft.com/office/drawing/2014/main" id="{75C578A6-454F-4E2D-9AC5-E0D323DA19DE}"/>
+              </a:ext>
+            </a:extLst>
+          </p:cNvPr>
+          <p:cNvSpPr>
+            <a:spLocks noGrp="1"/>
+          </p:cNvSpPr>
+          <p:nvPr>
+            <p:ph type="title"/>
+          </p:nvPr>
+        </p:nvSpPr>
+        <p:spPr/>
+        <p:txBody>
+          <a:bodyPr/>
+          <a:lstStyle/>
+          <a:p>
+            <a:r>
+              <a:rPr lang="es-ES" dirty="0"/>
+              <a:t>Git - </a:t>
+            </a:r>
+            <a:r>
+              <a:rPr lang="es-ES" dirty="0" err="1"/>
+              <a:t>Github</a:t>
+            </a:r>
+            <a:endParaRPr lang="es-CO" dirty="0"/>
+          </a:p>
+        </p:txBody>
+      </p:sp>
+      <p:pic>
+        <p:nvPicPr>
+          <p:cNvPr id="4" name="Marcador de contenido 3">
+            <a:extLst>
+              <a:ext uri="{FF2B5EF4-FFF2-40B4-BE49-F238E27FC236}">
+                <a16:creationId xmlns:a16="http://schemas.microsoft.com/office/drawing/2014/main" id="{B18BFA4F-C53D-4AE7-A930-2E7F2353B456}"/>
+              </a:ext>
+            </a:extLst>
+          </p:cNvPr>
+          <p:cNvPicPr>
+            <a:picLocks noGrp="1"/>
+          </p:cNvPicPr>
+          <p:nvPr>
+            <p:ph idx="1"/>
+          </p:nvPr>
+        </p:nvPicPr>
+        <p:blipFill>
+          <a:blip r:embed="rId2"/>
+          <a:stretch>
+            <a:fillRect/>
+          </a:stretch>
+        </p:blipFill>
+        <p:spPr>
+          <a:xfrm>
+            <a:off x="1508288" y="1733116"/>
+            <a:ext cx="8596312" cy="3859305"/>
+          </a:xfrm>
+          <a:prstGeom prst="rect">
+            <a:avLst/>
+          </a:prstGeom>
+        </p:spPr>
+      </p:pic>
+    </p:spTree>
+    <p:extLst>
+      <p:ext uri="{BB962C8B-B14F-4D97-AF65-F5344CB8AC3E}">
+        <p14:creationId xmlns:p14="http://schemas.microsoft.com/office/powerpoint/2010/main" val="2632418188"/>
+      </p:ext>
+    </p:extLst>
+  </p:cSld>
+  <p:clrMapOvr>
+    <a:masterClrMapping/>
+  </p:clrMapOvr>
+</p:sld>
+</file>
+
+<file path=ppt/slides/slide14.xml><?xml version="1.0" encoding="utf-8"?>
+<p:sld xmlns:a="http://schemas.openxmlformats.org/drawingml/2006/main" xmlns:r="http://schemas.openxmlformats.org/officeDocument/2006/relationships" xmlns:p="http://schemas.openxmlformats.org/presentationml/2006/main">
+  <p:cSld>
+    <p:spTree>
+      <p:nvGrpSpPr>
+        <p:cNvPr id="1" name=""/>
+        <p:cNvGrpSpPr/>
+        <p:nvPr/>
+      </p:nvGrpSpPr>
+      <p:grpSpPr>
+        <a:xfrm>
+          <a:off x="0" y="0"/>
+          <a:ext cx="0" cy="0"/>
+          <a:chOff x="0" y="0"/>
+          <a:chExt cx="0" cy="0"/>
+        </a:xfrm>
+      </p:grpSpPr>
+      <p:sp>
+        <p:nvSpPr>
+          <p:cNvPr id="2" name="Título 1"/>
+          <p:cNvSpPr>
+            <a:spLocks noGrp="1"/>
+          </p:cNvSpPr>
+          <p:nvPr>
+            <p:ph type="title"/>
+          </p:nvPr>
+        </p:nvSpPr>
+        <p:spPr>
+          <a:xfrm>
+            <a:off x="1205457" y="2339546"/>
+            <a:ext cx="8596668" cy="1320800"/>
+          </a:xfrm>
+        </p:spPr>
+        <p:txBody>
+          <a:bodyPr>
+            <a:normAutofit/>
+          </a:bodyPr>
+          <a:lstStyle/>
+          <a:p>
+            <a:pPr algn="ctr"/>
+            <a:r>
+              <a:rPr lang="es-ES" sz="7200" dirty="0"/>
+              <a:t>Gracias</a:t>
+            </a:r>
+          </a:p>
+        </p:txBody>
+      </p:sp>
+      <p:sp>
+        <p:nvSpPr>
+          <p:cNvPr id="3" name="Marcador de contenido 2"/>
+          <p:cNvSpPr>
+            <a:spLocks noGrp="1"/>
+          </p:cNvSpPr>
+          <p:nvPr>
+            <p:ph idx="1"/>
+          </p:nvPr>
+        </p:nvSpPr>
+        <p:spPr>
+          <a:xfrm>
+            <a:off x="1871820" y="3577497"/>
+            <a:ext cx="7263943" cy="1307541"/>
+          </a:xfrm>
+        </p:spPr>
+        <p:txBody>
+          <a:bodyPr>
+            <a:normAutofit/>
+          </a:bodyPr>
+          <a:lstStyle/>
+          <a:p>
+            <a:r>
+              <a:rPr lang="es-ES" sz="6600" dirty="0"/>
+              <a:t>Por su atención</a:t>
+            </a:r>
+          </a:p>
+        </p:txBody>
+      </p:sp>
+    </p:spTree>
+    <p:extLst>
+      <p:ext uri="{BB962C8B-B14F-4D97-AF65-F5344CB8AC3E}">
+        <p14:creationId xmlns:p14="http://schemas.microsoft.com/office/powerpoint/2010/main" val="1545526867"/>
+      </p:ext>
+    </p:extLst>
+  </p:cSld>
+  <p:clrMapOvr>
+    <a:masterClrMapping/>
+  </p:clrMapOvr>
+</p:sld>
+</file>
+
+<file path=ppt/slides/slide2.xml><?xml version="1.0" encoding="utf-8"?>
+<p:sld xmlns:a="http://schemas.openxmlformats.org/drawingml/2006/main" xmlns:r="http://schemas.openxmlformats.org/officeDocument/2006/relationships" xmlns:p="http://schemas.openxmlformats.org/presentationml/2006/main">
+  <p:cSld>
+    <p:spTree>
+      <p:nvGrpSpPr>
+        <p:cNvPr id="1" name=""/>
+        <p:cNvGrpSpPr/>
+        <p:nvPr/>
+      </p:nvGrpSpPr>
+      <p:grpSpPr>
+        <a:xfrm>
+          <a:off x="0" y="0"/>
+          <a:ext cx="0" cy="0"/>
+          <a:chOff x="0" y="0"/>
+          <a:chExt cx="0" cy="0"/>
+        </a:xfrm>
+      </p:grpSpPr>
+      <p:sp>
+        <p:nvSpPr>
+          <p:cNvPr id="2" name="Título 1"/>
+          <p:cNvSpPr>
+            <a:spLocks noGrp="1"/>
+          </p:cNvSpPr>
+          <p:nvPr>
+            <p:ph type="title"/>
+          </p:nvPr>
+        </p:nvSpPr>
+        <p:spPr>
+          <a:xfrm>
+            <a:off x="677334" y="1474573"/>
+            <a:ext cx="8596668" cy="1320800"/>
+          </a:xfrm>
+        </p:spPr>
+        <p:txBody>
+          <a:bodyPr/>
+          <a:lstStyle/>
+          <a:p>
+            <a:r>
+              <a:rPr lang="es-ES"/>
+              <a:t>Backlog</a:t>
+            </a:r>
+            <a:endParaRPr lang="es-ES" dirty="0"/>
+          </a:p>
+        </p:txBody>
+      </p:sp>
+      <p:sp>
+        <p:nvSpPr>
+          <p:cNvPr id="3" name="Marcador de contenido 2"/>
+          <p:cNvSpPr>
+            <a:spLocks noGrp="1"/>
+          </p:cNvSpPr>
+          <p:nvPr>
+            <p:ph idx="1"/>
+          </p:nvPr>
+        </p:nvSpPr>
+        <p:spPr>
+          <a:xfrm>
+            <a:off x="1018826" y="2597251"/>
+            <a:ext cx="8596668" cy="664989"/>
+          </a:xfrm>
+        </p:spPr>
+        <p:txBody>
+          <a:bodyPr>
+            <a:normAutofit fontScale="92500"/>
+          </a:bodyPr>
+          <a:lstStyle/>
+          <a:p>
+            <a:pPr algn="just"/>
+            <a:r>
+              <a:rPr lang="es-ES"/>
+              <a:t>Se requiere un programa que permita la visualización de clasificados de diferente índole, donde el usuario pueda elegir que tipo de clasificado desea observar.</a:t>
+            </a:r>
+            <a:endParaRPr lang="es-ES" dirty="0"/>
+          </a:p>
+        </p:txBody>
+      </p:sp>
+      <p:pic>
+        <p:nvPicPr>
+          <p:cNvPr id="4" name="Imagen 3">
+            <a:extLst>
+              <a:ext uri="{FF2B5EF4-FFF2-40B4-BE49-F238E27FC236}">
+                <a16:creationId xmlns:a16="http://schemas.microsoft.com/office/drawing/2014/main" id="{78CC3864-25D3-47A4-A5CD-39C0C45456A8}"/>
+              </a:ext>
+            </a:extLst>
+          </p:cNvPr>
+          <p:cNvPicPr/>
+          <p:nvPr/>
+        </p:nvPicPr>
+        <p:blipFill>
+          <a:blip r:embed="rId2"/>
+          <a:stretch>
+            <a:fillRect/>
+          </a:stretch>
+        </p:blipFill>
+        <p:spPr>
+          <a:xfrm>
+            <a:off x="1763486" y="3928254"/>
+            <a:ext cx="7107349" cy="1950032"/>
+          </a:xfrm>
+          <a:prstGeom prst="rect">
+            <a:avLst/>
+          </a:prstGeom>
+        </p:spPr>
+      </p:pic>
+    </p:spTree>
+    <p:extLst>
+      <p:ext uri="{BB962C8B-B14F-4D97-AF65-F5344CB8AC3E}">
+        <p14:creationId xmlns:p14="http://schemas.microsoft.com/office/powerpoint/2010/main" val="1617146564"/>
+      </p:ext>
+    </p:extLst>
+  </p:cSld>
+  <p:clrMapOvr>
+    <a:masterClrMapping/>
+  </p:clrMapOvr>
+</p:sld>
+</file>
+
+<file path=ppt/slides/slide3.xml><?xml version="1.0" encoding="utf-8"?>
+<p:sld xmlns:a="http://schemas.openxmlformats.org/drawingml/2006/main" xmlns:r="http://schemas.openxmlformats.org/officeDocument/2006/relationships" xmlns:p="http://schemas.openxmlformats.org/presentationml/2006/main">
+  <p:cSld>
+    <p:spTree>
+      <p:nvGrpSpPr>
+        <p:cNvPr id="1" name=""/>
+        <p:cNvGrpSpPr/>
+        <p:nvPr/>
+      </p:nvGrpSpPr>
+      <p:grpSpPr>
+        <a:xfrm>
+          <a:off x="0" y="0"/>
+          <a:ext cx="0" cy="0"/>
+          <a:chOff x="0" y="0"/>
+          <a:chExt cx="0" cy="0"/>
+        </a:xfrm>
+      </p:grpSpPr>
+      <p:sp>
+        <p:nvSpPr>
+          <p:cNvPr id="2" name="Título 1"/>
+          <p:cNvSpPr>
+            <a:spLocks noGrp="1"/>
+          </p:cNvSpPr>
+          <p:nvPr>
+            <p:ph type="title"/>
+          </p:nvPr>
+        </p:nvSpPr>
+        <p:spPr/>
+        <p:txBody>
+          <a:bodyPr/>
+          <a:lstStyle/>
+          <a:p>
+            <a:r>
+              <a:rPr lang="es-ES" dirty="0"/>
+              <a:t>Responsables</a:t>
+            </a:r>
+          </a:p>
+        </p:txBody>
+      </p:sp>
+      <p:graphicFrame>
+        <p:nvGraphicFramePr>
+          <p:cNvPr id="5" name="Marcador de contenido 4"/>
+          <p:cNvGraphicFramePr>
+            <a:graphicFrameLocks noGrp="1"/>
+          </p:cNvGraphicFramePr>
+          <p:nvPr>
+            <p:ph idx="1"/>
+            <p:extLst>
+              <p:ext uri="{D42A27DB-BD31-4B8C-83A1-F6EECF244321}">
+                <p14:modId xmlns:p14="http://schemas.microsoft.com/office/powerpoint/2010/main" val="2890983663"/>
+              </p:ext>
+            </p:extLst>
+          </p:nvPr>
+        </p:nvGraphicFramePr>
+        <p:xfrm>
+          <a:off x="677863" y="2160588"/>
+          <a:ext cx="8596312" cy="1854200"/>
+        </p:xfrm>
+        <a:graphic>
+          <a:graphicData uri="http://schemas.openxmlformats.org/drawingml/2006/table">
+            <a:tbl>
+              <a:tblPr firstRow="1" bandRow="1">
+                <a:tableStyleId>{5C22544A-7EE6-4342-B048-85BDC9FD1C3A}</a:tableStyleId>
+              </a:tblPr>
+              <a:tblGrid>
+                <a:gridCol w="4298156">
+                  <a:extLst>
+                    <a:ext uri="{9D8B030D-6E8A-4147-A177-3AD203B41FA5}">
+                      <a16:colId xmlns:a16="http://schemas.microsoft.com/office/drawing/2014/main" val="20000"/>
+                    </a:ext>
+                  </a:extLst>
+                </a:gridCol>
+                <a:gridCol w="4298156">
+                  <a:extLst>
+                    <a:ext uri="{9D8B030D-6E8A-4147-A177-3AD203B41FA5}">
+                      <a16:colId xmlns:a16="http://schemas.microsoft.com/office/drawing/2014/main" val="20001"/>
+                    </a:ext>
+                  </a:extLst>
+                </a:gridCol>
+              </a:tblGrid>
+              <a:tr h="370840">
+                <a:tc>
+                  <a:txBody>
+                    <a:bodyPr/>
+                    <a:lstStyle/>
+                    <a:p>
+                      <a:r>
+                        <a:rPr lang="es-ES" dirty="0"/>
+                        <a:t>ROL</a:t>
+                      </a:r>
+                    </a:p>
+                  </a:txBody>
+                  <a:tcPr/>
+                </a:tc>
+                <a:tc>
+                  <a:txBody>
+                    <a:bodyPr/>
+                    <a:lstStyle/>
+                    <a:p>
+                      <a:r>
+                        <a:rPr lang="es-ES" dirty="0"/>
+                        <a:t>MIEMBRO</a:t>
+                      </a:r>
+                    </a:p>
+                  </a:txBody>
+                  <a:tcPr/>
+                </a:tc>
+                <a:extLst>
+                  <a:ext uri="{0D108BD9-81ED-4DB2-BD59-A6C34878D82A}">
+                    <a16:rowId xmlns:a16="http://schemas.microsoft.com/office/drawing/2014/main" val="10000"/>
+                  </a:ext>
+                </a:extLst>
+              </a:tr>
+              <a:tr h="370840">
+                <a:tc>
+                  <a:txBody>
+                    <a:bodyPr/>
+                    <a:lstStyle/>
+                    <a:p>
+                      <a:r>
+                        <a:rPr lang="es-ES" dirty="0" err="1"/>
+                        <a:t>Scrum</a:t>
+                      </a:r>
+                      <a:r>
+                        <a:rPr lang="es-ES" baseline="0" dirty="0"/>
+                        <a:t> Master - </a:t>
+                      </a:r>
+                      <a:r>
+                        <a:rPr lang="es-ES" baseline="0" dirty="0" err="1"/>
+                        <a:t>project</a:t>
+                      </a:r>
+                      <a:r>
+                        <a:rPr lang="es-ES" baseline="0" dirty="0"/>
+                        <a:t> </a:t>
+                      </a:r>
+                      <a:r>
+                        <a:rPr lang="es-ES" baseline="0" dirty="0" err="1"/>
+                        <a:t>owner</a:t>
+                      </a:r>
+                      <a:endParaRPr lang="es-ES" dirty="0"/>
+                    </a:p>
+                  </a:txBody>
+                  <a:tcPr/>
+                </a:tc>
+                <a:tc>
+                  <a:txBody>
+                    <a:bodyPr/>
+                    <a:lstStyle/>
+                    <a:p>
+                      <a:pPr marL="0" marR="0" indent="0" algn="l" defTabSz="457200" rtl="0" eaLnBrk="1" fontAlgn="auto" latinLnBrk="0" hangingPunct="1">
+                        <a:lnSpc>
+                          <a:spcPct val="100000"/>
+                        </a:lnSpc>
+                        <a:spcBef>
+                          <a:spcPts val="0"/>
+                        </a:spcBef>
+                        <a:spcAft>
+                          <a:spcPts val="0"/>
+                        </a:spcAft>
+                        <a:buClrTx/>
+                        <a:buSzTx/>
+                        <a:buFontTx/>
+                        <a:buNone/>
+                        <a:tabLst/>
+                        <a:defRPr/>
+                      </a:pPr>
+                      <a:r>
+                        <a:rPr lang="es-ES" dirty="0"/>
+                        <a:t>CRIS</a:t>
+                      </a:r>
+                      <a:r>
+                        <a:rPr lang="es-ES" baseline="0" dirty="0"/>
+                        <a:t> SOLANO</a:t>
+                      </a:r>
+                      <a:endParaRPr lang="es-ES" dirty="0"/>
+                    </a:p>
+                  </a:txBody>
+                  <a:tcPr/>
+                </a:tc>
+                <a:extLst>
+                  <a:ext uri="{0D108BD9-81ED-4DB2-BD59-A6C34878D82A}">
+                    <a16:rowId xmlns:a16="http://schemas.microsoft.com/office/drawing/2014/main" val="10001"/>
+                  </a:ext>
+                </a:extLst>
+              </a:tr>
+              <a:tr h="370840">
+                <a:tc>
+                  <a:txBody>
+                    <a:bodyPr/>
+                    <a:lstStyle/>
+                    <a:p>
+                      <a:r>
+                        <a:rPr lang="es-ES" dirty="0"/>
+                        <a:t>Equipo Desarrollo</a:t>
+                      </a:r>
+                    </a:p>
+                  </a:txBody>
+                  <a:tcPr/>
+                </a:tc>
+                <a:tc>
+                  <a:txBody>
+                    <a:bodyPr/>
+                    <a:lstStyle/>
+                    <a:p>
+                      <a:r>
+                        <a:rPr lang="es-ES" dirty="0"/>
+                        <a:t>Juan</a:t>
+                      </a:r>
+                      <a:r>
+                        <a:rPr lang="es-ES" baseline="0" dirty="0"/>
+                        <a:t> </a:t>
+                      </a:r>
+                      <a:r>
+                        <a:rPr lang="es-ES" baseline="0" dirty="0" err="1"/>
+                        <a:t>Jose</a:t>
+                      </a:r>
+                      <a:r>
+                        <a:rPr lang="es-ES" baseline="0" dirty="0"/>
+                        <a:t> Agudelo</a:t>
+                      </a:r>
+                      <a:endParaRPr lang="es-ES" dirty="0"/>
+                    </a:p>
+                  </a:txBody>
+                  <a:tcPr/>
+                </a:tc>
+                <a:extLst>
+                  <a:ext uri="{0D108BD9-81ED-4DB2-BD59-A6C34878D82A}">
+                    <a16:rowId xmlns:a16="http://schemas.microsoft.com/office/drawing/2014/main" val="10002"/>
+                  </a:ext>
+                </a:extLst>
+              </a:tr>
+              <a:tr h="370840">
+                <a:tc>
+                  <a:txBody>
+                    <a:bodyPr/>
+                    <a:lstStyle/>
+                    <a:p>
+                      <a:r>
+                        <a:rPr lang="es-ES" dirty="0"/>
+                        <a:t>Equipo Desarrollo</a:t>
+                      </a:r>
+                    </a:p>
+                  </a:txBody>
+                  <a:tcPr/>
+                </a:tc>
+                <a:tc>
+                  <a:txBody>
+                    <a:bodyPr/>
+                    <a:lstStyle/>
+                    <a:p>
+                      <a:r>
+                        <a:rPr lang="es-ES" dirty="0"/>
+                        <a:t>Juan Camilo </a:t>
+                      </a:r>
+                      <a:r>
+                        <a:rPr lang="es-ES" dirty="0" err="1"/>
+                        <a:t>Hernandez</a:t>
+                      </a:r>
+                      <a:endParaRPr lang="es-ES" dirty="0"/>
+                    </a:p>
+                  </a:txBody>
+                  <a:tcPr/>
+                </a:tc>
+                <a:extLst>
+                  <a:ext uri="{0D108BD9-81ED-4DB2-BD59-A6C34878D82A}">
+                    <a16:rowId xmlns:a16="http://schemas.microsoft.com/office/drawing/2014/main" val="10003"/>
+                  </a:ext>
+                </a:extLst>
+              </a:tr>
+              <a:tr h="370840">
+                <a:tc>
+                  <a:txBody>
+                    <a:bodyPr/>
+                    <a:lstStyle/>
+                    <a:p>
+                      <a:r>
+                        <a:rPr lang="es-ES" dirty="0"/>
+                        <a:t>Equipo Desarrollo</a:t>
+                      </a:r>
+                    </a:p>
+                  </a:txBody>
+                  <a:tcPr/>
+                </a:tc>
+                <a:tc>
+                  <a:txBody>
+                    <a:bodyPr/>
+                    <a:lstStyle/>
+                    <a:p>
+                      <a:r>
+                        <a:rPr lang="es-ES" dirty="0" err="1"/>
+                        <a:t>Julian</a:t>
+                      </a:r>
+                      <a:r>
+                        <a:rPr lang="es-ES" dirty="0"/>
+                        <a:t> Franco</a:t>
+                      </a:r>
+                    </a:p>
+                  </a:txBody>
+                  <a:tcPr/>
+                </a:tc>
+                <a:extLst>
+                  <a:ext uri="{0D108BD9-81ED-4DB2-BD59-A6C34878D82A}">
+                    <a16:rowId xmlns:a16="http://schemas.microsoft.com/office/drawing/2014/main" val="10004"/>
+                  </a:ext>
+                </a:extLst>
+              </a:tr>
+            </a:tbl>
+          </a:graphicData>
+        </a:graphic>
+      </p:graphicFrame>
+    </p:spTree>
+    <p:extLst>
+      <p:ext uri="{BB962C8B-B14F-4D97-AF65-F5344CB8AC3E}">
+        <p14:creationId xmlns:p14="http://schemas.microsoft.com/office/powerpoint/2010/main" val="2528021729"/>
+      </p:ext>
+    </p:extLst>
+  </p:cSld>
+  <p:clrMapOvr>
+    <a:masterClrMapping/>
+  </p:clrMapOvr>
+</p:sld>
+</file>
+
+<file path=ppt/slides/slide4.xml><?xml version="1.0" encoding="utf-8"?>
+<p:sld xmlns:a="http://schemas.openxmlformats.org/drawingml/2006/main" xmlns:r="http://schemas.openxmlformats.org/officeDocument/2006/relationships" xmlns:p="http://schemas.openxmlformats.org/presentationml/2006/main">
+  <p:cSld>
+    <p:spTree>
+      <p:nvGrpSpPr>
+        <p:cNvPr id="1" name=""/>
+        <p:cNvGrpSpPr/>
+        <p:nvPr/>
+      </p:nvGrpSpPr>
+      <p:grpSpPr>
+        <a:xfrm>
+          <a:off x="0" y="0"/>
+          <a:ext cx="0" cy="0"/>
+          <a:chOff x="0" y="0"/>
+          <a:chExt cx="0" cy="0"/>
+        </a:xfrm>
+      </p:grpSpPr>
+      <p:sp>
+        <p:nvSpPr>
+          <p:cNvPr id="2" name="Título 1"/>
+          <p:cNvSpPr>
+            <a:spLocks noGrp="1"/>
+          </p:cNvSpPr>
+          <p:nvPr>
+            <p:ph type="title"/>
+          </p:nvPr>
+        </p:nvSpPr>
+        <p:spPr/>
+        <p:txBody>
+          <a:bodyPr/>
+          <a:lstStyle/>
+          <a:p>
+            <a:r>
+              <a:rPr lang="es-ES" dirty="0"/>
+              <a:t>Requisitos</a:t>
+            </a:r>
+          </a:p>
+        </p:txBody>
+      </p:sp>
+      <p:sp>
+        <p:nvSpPr>
+          <p:cNvPr id="3" name="Marcador de contenido 2"/>
+          <p:cNvSpPr>
+            <a:spLocks noGrp="1"/>
+          </p:cNvSpPr>
+          <p:nvPr>
+            <p:ph idx="1"/>
+          </p:nvPr>
+        </p:nvSpPr>
+        <p:spPr/>
+        <p:txBody>
+          <a:bodyPr>
+            <a:normAutofit fontScale="70000" lnSpcReduction="20000"/>
+          </a:bodyPr>
+          <a:lstStyle/>
+          <a:p>
+            <a:r>
+              <a:rPr lang="es-ES" b="1" dirty="0"/>
+              <a:t>Requisitos</a:t>
+            </a:r>
+            <a:endParaRPr lang="es-CO" dirty="0"/>
+          </a:p>
+          <a:p>
+            <a:pPr algn="just"/>
+            <a:r>
+              <a:rPr lang="es-ES" u="sng" dirty="0"/>
+              <a:t>S</a:t>
+            </a:r>
+            <a:r>
+              <a:rPr lang="es-ES" dirty="0"/>
+              <a:t>e requiere una aplicación la cual pueda mostrar en pantalla una serie de clasificados, los cuales puedan además ser eliminados o creados, no se requiere un programa especializado, se puede optar por el uso de consola simplemente usando arreglos o diccionarios, también se pueden utilizar herramientas mucho más avanzadas como el uso de una BD, vista </a:t>
+            </a:r>
+            <a:r>
+              <a:rPr lang="es-ES" dirty="0" err="1"/>
+              <a:t>front</a:t>
+            </a:r>
+            <a:r>
+              <a:rPr lang="es-ES" dirty="0"/>
+              <a:t> y codificación back, además de un servidor de conexión, cada equipo determinara su forma de trabajo y las herramientas que utilizara.</a:t>
+            </a:r>
+            <a:endParaRPr lang="es-CO" dirty="0"/>
+          </a:p>
+          <a:p>
+            <a:r>
+              <a:rPr lang="es-ES" dirty="0"/>
+              <a:t>Debe contener clasificados por defecto y permitir crear los nuevos.</a:t>
+            </a:r>
+            <a:endParaRPr lang="es-CO" dirty="0"/>
+          </a:p>
+          <a:p>
+            <a:r>
+              <a:rPr lang="es-ES" dirty="0"/>
+              <a:t>No Funcionales</a:t>
+            </a:r>
+            <a:endParaRPr lang="es-CO" dirty="0"/>
+          </a:p>
+          <a:p>
+            <a:pPr lvl="0"/>
+            <a:r>
+              <a:rPr lang="es-ES" dirty="0"/>
+              <a:t>Se desarrollará en el lenguaje de programación Java</a:t>
+            </a:r>
+            <a:endParaRPr lang="es-CO" dirty="0"/>
+          </a:p>
+          <a:p>
+            <a:pPr lvl="0"/>
+            <a:r>
+              <a:rPr lang="es-ES" dirty="0"/>
+              <a:t>Se tendrá un documento de especificaciones</a:t>
+            </a:r>
+            <a:endParaRPr lang="es-CO" dirty="0"/>
+          </a:p>
+          <a:p>
+            <a:pPr lvl="0"/>
+            <a:r>
+              <a:rPr lang="es-ES" dirty="0"/>
+              <a:t>Se podrá ejecutar en diferentes IDE tales como Eclipse y/o </a:t>
+            </a:r>
+            <a:r>
+              <a:rPr lang="es-ES" dirty="0" err="1"/>
+              <a:t>Netbeans</a:t>
+            </a:r>
+            <a:endParaRPr lang="es-CO" dirty="0"/>
+          </a:p>
+          <a:p>
+            <a:r>
+              <a:rPr lang="es-ES" dirty="0"/>
+              <a:t>Funcionales</a:t>
+            </a:r>
+            <a:endParaRPr lang="es-CO" dirty="0"/>
+          </a:p>
+          <a:p>
+            <a:pPr lvl="0"/>
+            <a:r>
+              <a:rPr lang="es-ES" dirty="0"/>
+              <a:t>Se debe permitir ver los clasificados almacenados</a:t>
+            </a:r>
+            <a:endParaRPr lang="es-CO" dirty="0"/>
+          </a:p>
+          <a:p>
+            <a:pPr lvl="0"/>
+            <a:r>
+              <a:rPr lang="es-ES" dirty="0"/>
+              <a:t>Se debe permitir crear clasificados</a:t>
+            </a:r>
+            <a:endParaRPr lang="es-CO" dirty="0"/>
+          </a:p>
+          <a:p>
+            <a:pPr lvl="0"/>
+            <a:r>
+              <a:rPr lang="es-ES" dirty="0"/>
+              <a:t>Se debe permitir eliminar clasificados</a:t>
+            </a:r>
+            <a:endParaRPr lang="es-CO" dirty="0"/>
+          </a:p>
+        </p:txBody>
+      </p:sp>
+    </p:spTree>
+    <p:extLst>
+      <p:ext uri="{BB962C8B-B14F-4D97-AF65-F5344CB8AC3E}">
+        <p14:creationId xmlns:p14="http://schemas.microsoft.com/office/powerpoint/2010/main" val="2193520983"/>
+      </p:ext>
+    </p:extLst>
+  </p:cSld>
+  <p:clrMapOvr>
+    <a:masterClrMapping/>
+  </p:clrMapOvr>
+</p:sld>
+</file>
+
+<file path=ppt/slides/slide5.xml><?xml version="1.0" encoding="utf-8"?>
+<p:sld xmlns:a="http://schemas.openxmlformats.org/drawingml/2006/main" xmlns:r="http://schemas.openxmlformats.org/officeDocument/2006/relationships" xmlns:p="http://schemas.openxmlformats.org/presentationml/2006/main">
+  <p:cSld>
+    <p:spTree>
+      <p:nvGrpSpPr>
+        <p:cNvPr id="1" name=""/>
+        <p:cNvGrpSpPr/>
+        <p:nvPr/>
+      </p:nvGrpSpPr>
+      <p:grpSpPr>
+        <a:xfrm>
+          <a:off x="0" y="0"/>
+          <a:ext cx="0" cy="0"/>
+          <a:chOff x="0" y="0"/>
+          <a:chExt cx="0" cy="0"/>
+        </a:xfrm>
+      </p:grpSpPr>
+      <p:sp>
+        <p:nvSpPr>
+          <p:cNvPr id="2" name="Título 1">
+            <a:extLst>
+              <a:ext uri="{FF2B5EF4-FFF2-40B4-BE49-F238E27FC236}">
+                <a16:creationId xmlns:a16="http://schemas.microsoft.com/office/drawing/2014/main" id="{39E34744-3D66-4E1D-8143-98A04D5B2EB2}"/>
+              </a:ext>
+            </a:extLst>
+          </p:cNvPr>
+          <p:cNvSpPr>
+            <a:spLocks noGrp="1"/>
+          </p:cNvSpPr>
+          <p:nvPr>
+            <p:ph type="title"/>
+          </p:nvPr>
+        </p:nvSpPr>
+        <p:spPr/>
+        <p:txBody>
+          <a:bodyPr/>
+          <a:lstStyle/>
+          <a:p>
+            <a:r>
+              <a:rPr lang="es-ES" dirty="0"/>
+              <a:t>Sprint </a:t>
+            </a:r>
+            <a:br>
+              <a:rPr lang="es-CO" dirty="0"/>
+            </a:br>
+            <a:endParaRPr lang="es-CO" dirty="0"/>
+          </a:p>
+        </p:txBody>
+      </p:sp>
+      <p:sp>
+        <p:nvSpPr>
+          <p:cNvPr id="3" name="Marcador de contenido 2">
+            <a:extLst>
+              <a:ext uri="{FF2B5EF4-FFF2-40B4-BE49-F238E27FC236}">
+                <a16:creationId xmlns:a16="http://schemas.microsoft.com/office/drawing/2014/main" id="{D943CB52-A118-434E-89CB-A7E7BFA3057D}"/>
+              </a:ext>
+            </a:extLst>
+          </p:cNvPr>
+          <p:cNvSpPr>
+            <a:spLocks noGrp="1"/>
+          </p:cNvSpPr>
+          <p:nvPr>
+            <p:ph idx="1"/>
+          </p:nvPr>
+        </p:nvSpPr>
+        <p:spPr>
+          <a:xfrm>
+            <a:off x="1675710" y="2253895"/>
+            <a:ext cx="8596668" cy="3880773"/>
+          </a:xfrm>
+        </p:spPr>
+        <p:txBody>
+          <a:bodyPr/>
+          <a:lstStyle/>
+          <a:p>
+            <a:r>
+              <a:rPr lang="es-ES" dirty="0"/>
+              <a:t>Se debe codificar en Java un programa que al correr tenga dos opciones, ver clasificados o crearlos, luego de verlos se debe permitir eliminarlos o simplemente salir.</a:t>
+            </a:r>
+            <a:endParaRPr lang="es-CO" dirty="0"/>
+          </a:p>
+          <a:p>
+            <a:r>
+              <a:rPr lang="es-ES" dirty="0"/>
+              <a:t>La vista de los clasificados debe ser por consola, en una ventana emergente que permita continuar con los clasificados.</a:t>
+            </a:r>
+            <a:endParaRPr lang="es-CO" dirty="0"/>
+          </a:p>
+          <a:p>
+            <a:r>
+              <a:rPr lang="es-ES" dirty="0"/>
+              <a:t>Se pueden usar diccionarios, listas o matrices.</a:t>
+            </a:r>
+            <a:endParaRPr lang="es-CO" dirty="0"/>
+          </a:p>
+          <a:p>
+            <a:endParaRPr lang="es-CO" dirty="0"/>
+          </a:p>
+        </p:txBody>
+      </p:sp>
+    </p:spTree>
+    <p:extLst>
+      <p:ext uri="{BB962C8B-B14F-4D97-AF65-F5344CB8AC3E}">
+        <p14:creationId xmlns:p14="http://schemas.microsoft.com/office/powerpoint/2010/main" val="4277012818"/>
       </p:ext>
     </p:extLst>
   </p:cSld>
@@ -7423,6 +7956,74 @@
           <a:chExt cx="0" cy="0"/>
         </a:xfrm>
       </p:grpSpPr>
+      <p:pic>
+        <p:nvPicPr>
+          <p:cNvPr id="4" name="Marcador de contenido 3" descr="Diagrama&#10;&#10;Descripción generada automáticamente">
+            <a:extLst>
+              <a:ext uri="{FF2B5EF4-FFF2-40B4-BE49-F238E27FC236}">
+                <a16:creationId xmlns:a16="http://schemas.microsoft.com/office/drawing/2014/main" id="{B4BDE472-CC97-4423-AE8C-008AA1892B1C}"/>
+              </a:ext>
+            </a:extLst>
+          </p:cNvPr>
+          <p:cNvPicPr>
+            <a:picLocks noGrp="1"/>
+          </p:cNvPicPr>
+          <p:nvPr>
+            <p:ph idx="1"/>
+          </p:nvPr>
+        </p:nvPicPr>
+        <p:blipFill>
+          <a:blip r:embed="rId2">
+            <a:extLst>
+              <a:ext uri="{28A0092B-C50C-407E-A947-70E740481C1C}">
+                <a14:useLocalDpi xmlns:a14="http://schemas.microsoft.com/office/drawing/2010/main" val="0"/>
+              </a:ext>
+            </a:extLst>
+          </a:blip>
+          <a:stretch>
+            <a:fillRect/>
+          </a:stretch>
+        </p:blipFill>
+        <p:spPr>
+          <a:xfrm>
+            <a:off x="3420637" y="576441"/>
+            <a:ext cx="4734318" cy="5705118"/>
+          </a:xfrm>
+          <a:prstGeom prst="rect">
+            <a:avLst/>
+          </a:prstGeom>
+        </p:spPr>
+      </p:pic>
+    </p:spTree>
+    <p:extLst>
+      <p:ext uri="{BB962C8B-B14F-4D97-AF65-F5344CB8AC3E}">
+        <p14:creationId xmlns:p14="http://schemas.microsoft.com/office/powerpoint/2010/main" val="2179427871"/>
+      </p:ext>
+    </p:extLst>
+  </p:cSld>
+  <p:clrMapOvr>
+    <a:masterClrMapping/>
+  </p:clrMapOvr>
+</p:sld>
+</file>
+
+<file path=ppt/slides/slide7.xml><?xml version="1.0" encoding="utf-8"?>
+<p:sld xmlns:a="http://schemas.openxmlformats.org/drawingml/2006/main" xmlns:r="http://schemas.openxmlformats.org/officeDocument/2006/relationships" xmlns:p="http://schemas.openxmlformats.org/presentationml/2006/main">
+  <p:cSld>
+    <p:spTree>
+      <p:nvGrpSpPr>
+        <p:cNvPr id="1" name=""/>
+        <p:cNvGrpSpPr/>
+        <p:nvPr/>
+      </p:nvGrpSpPr>
+      <p:grpSpPr>
+        <a:xfrm>
+          <a:off x="0" y="0"/>
+          <a:ext cx="0" cy="0"/>
+          <a:chOff x="0" y="0"/>
+          <a:chExt cx="0" cy="0"/>
+        </a:xfrm>
+      </p:grpSpPr>
       <p:sp>
         <p:nvSpPr>
           <p:cNvPr id="2" name="Título 1"/>
@@ -7439,10 +8040,9 @@
           <a:lstStyle/>
           <a:p>
             <a:r>
-              <a:rPr lang="es-ES" dirty="0" smtClean="0"/>
+              <a:rPr lang="es-ES" dirty="0"/>
               <a:t>Historias de usuario</a:t>
             </a:r>
-            <a:endParaRPr lang="es-ES" dirty="0"/>
           </a:p>
         </p:txBody>
       </p:sp>
@@ -7463,15 +8063,19 @@
           <a:p>
             <a:r>
               <a:rPr lang="es-CO" b="1" dirty="0"/>
-              <a:t>Historia de usuario #2</a:t>
+              <a:t>Historia de usuario #1: </a:t>
             </a:r>
             <a:r>
               <a:rPr lang="es-CO" dirty="0"/>
-              <a:t>: En este menú se deben visualizar las opciones de los tipos de clasificados que hay, ya sean de arrendamiento, de ventas, de empleos y de las que se consideren</a:t>
-            </a:r>
-            <a:r>
-              <a:rPr lang="es-CO" b="1" dirty="0"/>
-              <a:t>.</a:t>
+              <a:t>El usuario puede visualizar los tipos de clasificado, el que los compone y su descripción especifica, existirán mínimo tres clasificados favoritos que solo pueden ser modificados por el </a:t>
+            </a:r>
+            <a:r>
+              <a:rPr lang="es-CO" dirty="0" err="1"/>
+              <a:t>admin</a:t>
+            </a:r>
+            <a:r>
+              <a:rPr lang="es-CO" dirty="0"/>
+              <a:t> de la aplicación.</a:t>
             </a:r>
             <a:endParaRPr lang="es-ES" dirty="0"/>
           </a:p>
@@ -7480,7 +8084,7 @@
               <a:buNone/>
             </a:pPr>
             <a:r>
-              <a:rPr lang="es-CO" dirty="0" smtClean="0"/>
+              <a:rPr lang="es-CO" dirty="0"/>
               <a:t>Tiempo estimado</a:t>
             </a:r>
           </a:p>
@@ -7494,7 +8098,7 @@
             <a:pPr marL="0" indent="0">
               <a:buNone/>
             </a:pPr>
-            <a:endParaRPr lang="es-CO" dirty="0" smtClean="0"/>
+            <a:endParaRPr lang="es-CO" dirty="0"/>
           </a:p>
           <a:p>
             <a:pPr marL="0" indent="0">
@@ -7506,14 +8110,14 @@
             <a:pPr marL="0" indent="0">
               <a:buNone/>
             </a:pPr>
-            <a:endParaRPr lang="es-CO" dirty="0" smtClean="0"/>
+            <a:endParaRPr lang="es-CO" dirty="0"/>
           </a:p>
           <a:p>
             <a:pPr marL="0" indent="0">
               <a:buNone/>
             </a:pPr>
             <a:r>
-              <a:rPr lang="es-CO" dirty="0" smtClean="0"/>
+              <a:rPr lang="es-CO" dirty="0"/>
               <a:t>Complejidad – Esfuerzo</a:t>
             </a:r>
           </a:p>
@@ -7527,7 +8131,7 @@
             <a:pPr marL="0" indent="0">
               <a:buNone/>
             </a:pPr>
-            <a:endParaRPr lang="es-CO" dirty="0" smtClean="0"/>
+            <a:endParaRPr lang="es-CO" dirty="0"/>
           </a:p>
           <a:p>
             <a:pPr marL="0" indent="0">
@@ -7539,7 +8143,7 @@
             <a:pPr marL="0" indent="0">
               <a:buNone/>
             </a:pPr>
-            <a:endParaRPr lang="es-CO" dirty="0" smtClean="0"/>
+            <a:endParaRPr lang="es-CO" dirty="0"/>
           </a:p>
           <a:p>
             <a:pPr marL="0" indent="0">
@@ -7568,7 +8172,7 @@
         </p:nvGraphicFramePr>
         <p:xfrm>
           <a:off x="3209131" y="3762343"/>
-          <a:ext cx="3533775" cy="677926"/>
+          <a:ext cx="3533775" cy="656718"/>
         </p:xfrm>
         <a:graphic>
           <a:graphicData uri="http://schemas.openxmlformats.org/drawingml/2006/table">
@@ -7577,10 +8181,34 @@
                 <a:tableStyleId>{5C22544A-7EE6-4342-B048-85BDC9FD1C3A}</a:tableStyleId>
               </a:tblPr>
               <a:tblGrid>
-                <a:gridCol w="888528"/>
-                <a:gridCol w="888528"/>
-                <a:gridCol w="887893"/>
-                <a:gridCol w="868826"/>
+                <a:gridCol w="888528">
+                  <a:extLst>
+                    <a:ext uri="{9D8B030D-6E8A-4147-A177-3AD203B41FA5}">
+                      <a16:colId xmlns:a16="http://schemas.microsoft.com/office/drawing/2014/main" val="20000"/>
+                    </a:ext>
+                  </a:extLst>
+                </a:gridCol>
+                <a:gridCol w="888528">
+                  <a:extLst>
+                    <a:ext uri="{9D8B030D-6E8A-4147-A177-3AD203B41FA5}">
+                      <a16:colId xmlns:a16="http://schemas.microsoft.com/office/drawing/2014/main" val="20001"/>
+                    </a:ext>
+                  </a:extLst>
+                </a:gridCol>
+                <a:gridCol w="887893">
+                  <a:extLst>
+                    <a:ext uri="{9D8B030D-6E8A-4147-A177-3AD203B41FA5}">
+                      <a16:colId xmlns:a16="http://schemas.microsoft.com/office/drawing/2014/main" val="20002"/>
+                    </a:ext>
+                  </a:extLst>
+                </a:gridCol>
+                <a:gridCol w="868826">
+                  <a:extLst>
+                    <a:ext uri="{9D8B030D-6E8A-4147-A177-3AD203B41FA5}">
+                      <a16:colId xmlns:a16="http://schemas.microsoft.com/office/drawing/2014/main" val="20003"/>
+                    </a:ext>
+                  </a:extLst>
+                </a:gridCol>
               </a:tblGrid>
               <a:tr h="0">
                 <a:tc>
@@ -7699,6 +8327,11 @@
                   </a:txBody>
                   <a:tcPr marL="63500" marR="63500" marT="63500" marB="63500"/>
                 </a:tc>
+                <a:extLst>
+                  <a:ext uri="{0D108BD9-81ED-4DB2-BD59-A6C34878D82A}">
+                    <a16:rowId xmlns:a16="http://schemas.microsoft.com/office/drawing/2014/main" val="10000"/>
+                  </a:ext>
+                </a:extLst>
               </a:tr>
               <a:tr h="0">
                 <a:tc>
@@ -7715,16 +8348,10 @@
                         </a:spcAft>
                       </a:pPr>
                       <a:r>
-                        <a:rPr lang="es-CO" sz="1300" dirty="0" smtClean="0">
-                          <a:effectLst/>
-                        </a:rPr>
-                        <a:t>1 </a:t>
-                      </a:r>
-                      <a:r>
                         <a:rPr lang="es-CO" sz="1300" dirty="0">
                           <a:effectLst/>
                         </a:rPr>
-                        <a:t>días </a:t>
+                        <a:t>1 días </a:t>
                       </a:r>
                       <a:endParaRPr lang="es-ES" sz="1100" dirty="0">
                         <a:effectLst/>
@@ -7750,16 +8377,10 @@
                         </a:spcAft>
                       </a:pPr>
                       <a:r>
-                        <a:rPr lang="es-CO" sz="1300" dirty="0" smtClean="0">
-                          <a:effectLst/>
-                        </a:rPr>
-                        <a:t>1 </a:t>
-                      </a:r>
-                      <a:r>
                         <a:rPr lang="es-CO" sz="1300" dirty="0">
                           <a:effectLst/>
                         </a:rPr>
-                        <a:t>días</a:t>
+                        <a:t>1 días</a:t>
                       </a:r>
                       <a:endParaRPr lang="es-ES" sz="1100" dirty="0">
                         <a:effectLst/>
@@ -7785,16 +8406,10 @@
                         </a:spcAft>
                       </a:pPr>
                       <a:r>
-                        <a:rPr lang="es-CO" sz="1300" dirty="0" smtClean="0">
-                          <a:effectLst/>
-                        </a:rPr>
-                        <a:t>1 </a:t>
-                      </a:r>
-                      <a:r>
                         <a:rPr lang="es-CO" sz="1300" dirty="0">
                           <a:effectLst/>
                         </a:rPr>
-                        <a:t>días</a:t>
+                        <a:t>1 días</a:t>
                       </a:r>
                       <a:endParaRPr lang="es-ES" sz="1100" dirty="0">
                         <a:effectLst/>
@@ -7820,16 +8435,10 @@
                         </a:spcAft>
                       </a:pPr>
                       <a:r>
-                        <a:rPr lang="es-CO" sz="1300" dirty="0" smtClean="0">
-                          <a:effectLst/>
-                        </a:rPr>
-                        <a:t>1 </a:t>
-                      </a:r>
-                      <a:r>
                         <a:rPr lang="es-CO" sz="1300" dirty="0">
                           <a:effectLst/>
                         </a:rPr>
-                        <a:t>días</a:t>
+                        <a:t>1 días</a:t>
                       </a:r>
                       <a:endParaRPr lang="es-ES" sz="1100" dirty="0">
                         <a:effectLst/>
@@ -7841,6 +8450,11 @@
                   </a:txBody>
                   <a:tcPr marL="63500" marR="63500" marT="63500" marB="63500"/>
                 </a:tc>
+                <a:extLst>
+                  <a:ext uri="{0D108BD9-81ED-4DB2-BD59-A6C34878D82A}">
+                    <a16:rowId xmlns:a16="http://schemas.microsoft.com/office/drawing/2014/main" val="10001"/>
+                  </a:ext>
+                </a:extLst>
               </a:tr>
             </a:tbl>
           </a:graphicData>
@@ -7855,14 +8469,14 @@
           <p:nvPr>
             <p:extLst>
               <p:ext uri="{D42A27DB-BD31-4B8C-83A1-F6EECF244321}">
-                <p14:modId xmlns:p14="http://schemas.microsoft.com/office/powerpoint/2010/main" val="3695201123"/>
+                <p14:modId xmlns:p14="http://schemas.microsoft.com/office/powerpoint/2010/main" val="1212262206"/>
               </p:ext>
             </p:extLst>
           </p:nvPr>
         </p:nvGraphicFramePr>
         <p:xfrm>
-          <a:off x="3290223" y="5707701"/>
-          <a:ext cx="3552824" cy="667322"/>
+          <a:off x="3281985" y="5384644"/>
+          <a:ext cx="3552824" cy="656718"/>
         </p:xfrm>
         <a:graphic>
           <a:graphicData uri="http://schemas.openxmlformats.org/drawingml/2006/table">
@@ -7871,10 +8485,34 @@
                 <a:tableStyleId>{5C22544A-7EE6-4342-B048-85BDC9FD1C3A}</a:tableStyleId>
               </a:tblPr>
               <a:tblGrid>
-                <a:gridCol w="888524"/>
-                <a:gridCol w="888524"/>
-                <a:gridCol w="887888"/>
-                <a:gridCol w="887888"/>
+                <a:gridCol w="888524">
+                  <a:extLst>
+                    <a:ext uri="{9D8B030D-6E8A-4147-A177-3AD203B41FA5}">
+                      <a16:colId xmlns:a16="http://schemas.microsoft.com/office/drawing/2014/main" val="20000"/>
+                    </a:ext>
+                  </a:extLst>
+                </a:gridCol>
+                <a:gridCol w="888524">
+                  <a:extLst>
+                    <a:ext uri="{9D8B030D-6E8A-4147-A177-3AD203B41FA5}">
+                      <a16:colId xmlns:a16="http://schemas.microsoft.com/office/drawing/2014/main" val="20001"/>
+                    </a:ext>
+                  </a:extLst>
+                </a:gridCol>
+                <a:gridCol w="887888">
+                  <a:extLst>
+                    <a:ext uri="{9D8B030D-6E8A-4147-A177-3AD203B41FA5}">
+                      <a16:colId xmlns:a16="http://schemas.microsoft.com/office/drawing/2014/main" val="20002"/>
+                    </a:ext>
+                  </a:extLst>
+                </a:gridCol>
+                <a:gridCol w="887888">
+                  <a:extLst>
+                    <a:ext uri="{9D8B030D-6E8A-4147-A177-3AD203B41FA5}">
+                      <a16:colId xmlns:a16="http://schemas.microsoft.com/office/drawing/2014/main" val="20003"/>
+                    </a:ext>
+                  </a:extLst>
+                </a:gridCol>
               </a:tblGrid>
               <a:tr h="0">
                 <a:tc>
@@ -7993,6 +8631,11 @@
                   </a:txBody>
                   <a:tcPr marL="63500" marR="63500" marT="63500" marB="63500"/>
                 </a:tc>
+                <a:extLst>
+                  <a:ext uri="{0D108BD9-81ED-4DB2-BD59-A6C34878D82A}">
+                    <a16:rowId xmlns:a16="http://schemas.microsoft.com/office/drawing/2014/main" val="10000"/>
+                  </a:ext>
+                </a:extLst>
               </a:tr>
               <a:tr h="0">
                 <a:tc>
@@ -8009,13 +8652,13 @@
                         </a:spcAft>
                       </a:pPr>
                       <a:r>
-                        <a:rPr lang="es-CO" sz="1300" dirty="0" smtClean="0">
+                        <a:rPr lang="es-CO" sz="1300" dirty="0">
                           <a:effectLst/>
                           <a:latin typeface="+mn-lt"/>
                           <a:ea typeface="+mn-ea"/>
                           <a:cs typeface="+mn-cs"/>
                         </a:rPr>
-                        <a:t>1</a:t>
+                        <a:t>2</a:t>
                       </a:r>
                       <a:endParaRPr lang="es-ES" sz="1100" dirty="0">
                         <a:effectLst/>
@@ -8041,13 +8684,13 @@
                         </a:spcAft>
                       </a:pPr>
                       <a:r>
-                        <a:rPr lang="es-ES" sz="1100" dirty="0" smtClean="0">
+                        <a:rPr lang="es-CO" sz="1300" dirty="0">
                           <a:effectLst/>
-                          <a:latin typeface="Calibri" panose="020F0502020204030204" pitchFamily="34" charset="0"/>
-                          <a:ea typeface="Calibri" panose="020F0502020204030204" pitchFamily="34" charset="0"/>
-                          <a:cs typeface="Times New Roman" panose="02020603050405020304" pitchFamily="18" charset="0"/>
+                          <a:latin typeface="+mn-lt"/>
+                          <a:ea typeface="+mn-ea"/>
+                          <a:cs typeface="+mn-cs"/>
                         </a:rPr>
-                        <a:t>1</a:t>
+                        <a:t>2</a:t>
                       </a:r>
                       <a:endParaRPr lang="es-ES" sz="1100" dirty="0">
                         <a:effectLst/>
@@ -8073,13 +8716,13 @@
                         </a:spcAft>
                       </a:pPr>
                       <a:r>
-                        <a:rPr lang="es-CO" sz="1300" dirty="0" smtClean="0">
+                        <a:rPr lang="es-CO" sz="1300" dirty="0">
                           <a:effectLst/>
                           <a:latin typeface="+mn-lt"/>
                           <a:ea typeface="+mn-ea"/>
                           <a:cs typeface="+mn-cs"/>
                         </a:rPr>
-                        <a:t>1</a:t>
+                        <a:t>2</a:t>
                       </a:r>
                       <a:endParaRPr lang="es-ES" sz="1100" dirty="0">
                         <a:effectLst/>
@@ -8105,13 +8748,13 @@
                         </a:spcAft>
                       </a:pPr>
                       <a:r>
-                        <a:rPr lang="es-CO" sz="1300" dirty="0" smtClean="0">
+                        <a:rPr lang="es-CO" sz="1300" dirty="0">
                           <a:effectLst/>
                           <a:latin typeface="+mn-lt"/>
                           <a:ea typeface="+mn-ea"/>
                           <a:cs typeface="+mn-cs"/>
                         </a:rPr>
-                        <a:t>1</a:t>
+                        <a:t>2</a:t>
                       </a:r>
                       <a:endParaRPr lang="es-ES" sz="1100" dirty="0">
                         <a:effectLst/>
@@ -8123,6 +8766,11 @@
                   </a:txBody>
                   <a:tcPr marL="63500" marR="63500" marT="63500" marB="63500"/>
                 </a:tc>
+                <a:extLst>
+                  <a:ext uri="{0D108BD9-81ED-4DB2-BD59-A6C34878D82A}">
+                    <a16:rowId xmlns:a16="http://schemas.microsoft.com/office/drawing/2014/main" val="10001"/>
+                  </a:ext>
+                </a:extLst>
               </a:tr>
             </a:tbl>
           </a:graphicData>
@@ -8131,7 +8779,7 @@
     </p:spTree>
     <p:extLst>
       <p:ext uri="{BB962C8B-B14F-4D97-AF65-F5344CB8AC3E}">
-        <p14:creationId xmlns:p14="http://schemas.microsoft.com/office/powerpoint/2010/main" val="615264229"/>
+        <p14:creationId xmlns:p14="http://schemas.microsoft.com/office/powerpoint/2010/main" val="4534808"/>
       </p:ext>
     </p:extLst>
   </p:cSld>
@@ -8141,7 +8789,7 @@
 </p:sld>
 </file>
 
-<file path=ppt/slides/slide7.xml><?xml version="1.0" encoding="utf-8"?>
+<file path=ppt/slides/slide8.xml><?xml version="1.0" encoding="utf-8"?>
 <p:sld xmlns:a="http://schemas.openxmlformats.org/drawingml/2006/main" xmlns:r="http://schemas.openxmlformats.org/officeDocument/2006/relationships" xmlns:p="http://schemas.openxmlformats.org/presentationml/2006/main">
   <p:cSld>
     <p:spTree>
@@ -8174,10 +8822,9 @@
           <a:lstStyle/>
           <a:p>
             <a:r>
-              <a:rPr lang="es-ES" dirty="0" smtClean="0"/>
+              <a:rPr lang="es-ES" dirty="0"/>
               <a:t>Historias de usuario</a:t>
             </a:r>
-            <a:endParaRPr lang="es-ES" dirty="0"/>
           </a:p>
         </p:txBody>
       </p:sp>
@@ -8198,32 +8845,23 @@
           <a:p>
             <a:r>
               <a:rPr lang="es-CO" b="1" dirty="0"/>
-              <a:t>Historia de usuario #3</a:t>
+              <a:t>Historia de usuario #2</a:t>
             </a:r>
             <a:r>
               <a:rPr lang="es-CO" dirty="0"/>
-              <a:t>: El aplicativo se llevará a cabo mediante el lenguaje de </a:t>
-            </a:r>
-            <a:r>
-              <a:rPr lang="es-CO" dirty="0" smtClean="0"/>
-              <a:t>JAVA, de manera interactiva con mensajes en pantalla (</a:t>
-            </a:r>
-            <a:r>
-              <a:rPr lang="es-CO" dirty="0" err="1" smtClean="0"/>
-              <a:t>JOptionPane</a:t>
-            </a:r>
-            <a:r>
-              <a:rPr lang="es-CO" dirty="0" smtClean="0"/>
-              <a:t>)</a:t>
-            </a:r>
-            <a:endParaRPr lang="es-ES" dirty="0"/>
+              <a:t>: </a:t>
+            </a:r>
+            <a:r>
+              <a:rPr lang="es-ES" dirty="0"/>
+              <a:t>Se podrán apreciar los clasificados que se ingresan a la cola. </a:t>
+            </a:r>
           </a:p>
           <a:p>
             <a:pPr marL="0" indent="0">
               <a:buNone/>
             </a:pPr>
             <a:r>
-              <a:rPr lang="es-CO" dirty="0" smtClean="0"/>
+              <a:rPr lang="es-CO" dirty="0"/>
               <a:t>Tiempo estimado</a:t>
             </a:r>
           </a:p>
@@ -8237,22 +8875,7 @@
             <a:pPr marL="0" indent="0">
               <a:buNone/>
             </a:pPr>
-            <a:endParaRPr lang="es-CO" dirty="0" smtClean="0"/>
-          </a:p>
-          <a:p>
-            <a:pPr marL="0" indent="0">
-              <a:buNone/>
-            </a:pPr>
-            <a:endParaRPr lang="es-CO" dirty="0" smtClean="0"/>
-          </a:p>
-          <a:p>
-            <a:pPr marL="0" indent="0">
-              <a:buNone/>
-            </a:pPr>
-            <a:r>
-              <a:rPr lang="es-CO" dirty="0" smtClean="0"/>
-              <a:t>Complejidad – Esfuerzo</a:t>
-            </a:r>
+            <a:endParaRPr lang="es-CO" dirty="0"/>
           </a:p>
           <a:p>
             <a:pPr marL="0" indent="0">
@@ -8264,7 +8887,16 @@
             <a:pPr marL="0" indent="0">
               <a:buNone/>
             </a:pPr>
-            <a:endParaRPr lang="es-CO" dirty="0" smtClean="0"/>
+            <a:endParaRPr lang="es-CO" dirty="0"/>
+          </a:p>
+          <a:p>
+            <a:pPr marL="0" indent="0">
+              <a:buNone/>
+            </a:pPr>
+            <a:r>
+              <a:rPr lang="es-CO" dirty="0"/>
+              <a:t>Complejidad – Esfuerzo</a:t>
+            </a:r>
           </a:p>
           <a:p>
             <a:pPr marL="0" indent="0">
@@ -8276,7 +8908,19 @@
             <a:pPr marL="0" indent="0">
               <a:buNone/>
             </a:pPr>
-            <a:endParaRPr lang="es-CO" dirty="0" smtClean="0"/>
+            <a:endParaRPr lang="es-CO" dirty="0"/>
+          </a:p>
+          <a:p>
+            <a:pPr marL="0" indent="0">
+              <a:buNone/>
+            </a:pPr>
+            <a:endParaRPr lang="es-CO" dirty="0"/>
+          </a:p>
+          <a:p>
+            <a:pPr marL="0" indent="0">
+              <a:buNone/>
+            </a:pPr>
+            <a:endParaRPr lang="es-CO" dirty="0"/>
           </a:p>
           <a:p>
             <a:pPr marL="0" indent="0">
@@ -8298,14 +8942,14 @@
           <p:nvPr>
             <p:extLst>
               <p:ext uri="{D42A27DB-BD31-4B8C-83A1-F6EECF244321}">
-                <p14:modId xmlns:p14="http://schemas.microsoft.com/office/powerpoint/2010/main" val="2630651063"/>
+                <p14:modId xmlns:p14="http://schemas.microsoft.com/office/powerpoint/2010/main" val="3118484220"/>
               </p:ext>
             </p:extLst>
           </p:nvPr>
         </p:nvGraphicFramePr>
         <p:xfrm>
-          <a:off x="3225607" y="3391640"/>
-          <a:ext cx="3533775" cy="677926"/>
+          <a:off x="3209131" y="3762343"/>
+          <a:ext cx="3533775" cy="656718"/>
         </p:xfrm>
         <a:graphic>
           <a:graphicData uri="http://schemas.openxmlformats.org/drawingml/2006/table">
@@ -8314,10 +8958,34 @@
                 <a:tableStyleId>{5C22544A-7EE6-4342-B048-85BDC9FD1C3A}</a:tableStyleId>
               </a:tblPr>
               <a:tblGrid>
-                <a:gridCol w="888528"/>
-                <a:gridCol w="888528"/>
-                <a:gridCol w="887893"/>
-                <a:gridCol w="868826"/>
+                <a:gridCol w="888528">
+                  <a:extLst>
+                    <a:ext uri="{9D8B030D-6E8A-4147-A177-3AD203B41FA5}">
+                      <a16:colId xmlns:a16="http://schemas.microsoft.com/office/drawing/2014/main" val="20000"/>
+                    </a:ext>
+                  </a:extLst>
+                </a:gridCol>
+                <a:gridCol w="888528">
+                  <a:extLst>
+                    <a:ext uri="{9D8B030D-6E8A-4147-A177-3AD203B41FA5}">
+                      <a16:colId xmlns:a16="http://schemas.microsoft.com/office/drawing/2014/main" val="20001"/>
+                    </a:ext>
+                  </a:extLst>
+                </a:gridCol>
+                <a:gridCol w="887893">
+                  <a:extLst>
+                    <a:ext uri="{9D8B030D-6E8A-4147-A177-3AD203B41FA5}">
+                      <a16:colId xmlns:a16="http://schemas.microsoft.com/office/drawing/2014/main" val="20002"/>
+                    </a:ext>
+                  </a:extLst>
+                </a:gridCol>
+                <a:gridCol w="868826">
+                  <a:extLst>
+                    <a:ext uri="{9D8B030D-6E8A-4147-A177-3AD203B41FA5}">
+                      <a16:colId xmlns:a16="http://schemas.microsoft.com/office/drawing/2014/main" val="20003"/>
+                    </a:ext>
+                  </a:extLst>
+                </a:gridCol>
               </a:tblGrid>
               <a:tr h="0">
                 <a:tc>
@@ -8436,6 +9104,11 @@
                   </a:txBody>
                   <a:tcPr marL="63500" marR="63500" marT="63500" marB="63500"/>
                 </a:tc>
+                <a:extLst>
+                  <a:ext uri="{0D108BD9-81ED-4DB2-BD59-A6C34878D82A}">
+                    <a16:rowId xmlns:a16="http://schemas.microsoft.com/office/drawing/2014/main" val="10000"/>
+                  </a:ext>
+                </a:extLst>
               </a:tr>
               <a:tr h="0">
                 <a:tc>
@@ -8452,16 +9125,10 @@
                         </a:spcAft>
                       </a:pPr>
                       <a:r>
-                        <a:rPr lang="es-CO" sz="1300" dirty="0" smtClean="0">
-                          <a:effectLst/>
-                        </a:rPr>
-                        <a:t>1 </a:t>
-                      </a:r>
-                      <a:r>
                         <a:rPr lang="es-CO" sz="1300" dirty="0">
                           <a:effectLst/>
                         </a:rPr>
-                        <a:t>días </a:t>
+                        <a:t>1 días </a:t>
                       </a:r>
                       <a:endParaRPr lang="es-ES" sz="1100" dirty="0">
                         <a:effectLst/>
@@ -8487,16 +9154,10 @@
                         </a:spcAft>
                       </a:pPr>
                       <a:r>
-                        <a:rPr lang="es-CO" sz="1300" dirty="0" smtClean="0">
-                          <a:effectLst/>
-                        </a:rPr>
-                        <a:t>1 </a:t>
-                      </a:r>
-                      <a:r>
                         <a:rPr lang="es-CO" sz="1300" dirty="0">
                           <a:effectLst/>
                         </a:rPr>
-                        <a:t>días</a:t>
+                        <a:t>1 días</a:t>
                       </a:r>
                       <a:endParaRPr lang="es-ES" sz="1100" dirty="0">
                         <a:effectLst/>
@@ -8522,16 +9183,10 @@
                         </a:spcAft>
                       </a:pPr>
                       <a:r>
-                        <a:rPr lang="es-CO" sz="1300" dirty="0" smtClean="0">
-                          <a:effectLst/>
-                        </a:rPr>
-                        <a:t>1 </a:t>
-                      </a:r>
-                      <a:r>
                         <a:rPr lang="es-CO" sz="1300" dirty="0">
                           <a:effectLst/>
                         </a:rPr>
-                        <a:t>días</a:t>
+                        <a:t>1 días</a:t>
                       </a:r>
                       <a:endParaRPr lang="es-ES" sz="1100" dirty="0">
                         <a:effectLst/>
@@ -8557,16 +9212,10 @@
                         </a:spcAft>
                       </a:pPr>
                       <a:r>
-                        <a:rPr lang="es-CO" sz="1300" dirty="0" smtClean="0">
-                          <a:effectLst/>
-                        </a:rPr>
-                        <a:t>1 </a:t>
-                      </a:r>
-                      <a:r>
                         <a:rPr lang="es-CO" sz="1300" dirty="0">
                           <a:effectLst/>
                         </a:rPr>
-                        <a:t>días</a:t>
+                        <a:t>1 días</a:t>
                       </a:r>
                       <a:endParaRPr lang="es-ES" sz="1100" dirty="0">
                         <a:effectLst/>
@@ -8578,6 +9227,11 @@
                   </a:txBody>
                   <a:tcPr marL="63500" marR="63500" marT="63500" marB="63500"/>
                 </a:tc>
+                <a:extLst>
+                  <a:ext uri="{0D108BD9-81ED-4DB2-BD59-A6C34878D82A}">
+                    <a16:rowId xmlns:a16="http://schemas.microsoft.com/office/drawing/2014/main" val="10001"/>
+                  </a:ext>
+                </a:extLst>
               </a:tr>
             </a:tbl>
           </a:graphicData>
@@ -8592,14 +9246,14 @@
           <p:nvPr>
             <p:extLst>
               <p:ext uri="{D42A27DB-BD31-4B8C-83A1-F6EECF244321}">
-                <p14:modId xmlns:p14="http://schemas.microsoft.com/office/powerpoint/2010/main" val="1929122267"/>
+                <p14:modId xmlns:p14="http://schemas.microsoft.com/office/powerpoint/2010/main" val="3695201123"/>
               </p:ext>
             </p:extLst>
           </p:nvPr>
         </p:nvGraphicFramePr>
         <p:xfrm>
-          <a:off x="3306699" y="5073387"/>
-          <a:ext cx="3552824" cy="677926"/>
+          <a:off x="3290223" y="5707701"/>
+          <a:ext cx="3552824" cy="656718"/>
         </p:xfrm>
         <a:graphic>
           <a:graphicData uri="http://schemas.openxmlformats.org/drawingml/2006/table">
@@ -8608,10 +9262,34 @@
                 <a:tableStyleId>{5C22544A-7EE6-4342-B048-85BDC9FD1C3A}</a:tableStyleId>
               </a:tblPr>
               <a:tblGrid>
-                <a:gridCol w="888524"/>
-                <a:gridCol w="888524"/>
-                <a:gridCol w="887888"/>
-                <a:gridCol w="887888"/>
+                <a:gridCol w="888524">
+                  <a:extLst>
+                    <a:ext uri="{9D8B030D-6E8A-4147-A177-3AD203B41FA5}">
+                      <a16:colId xmlns:a16="http://schemas.microsoft.com/office/drawing/2014/main" val="20000"/>
+                    </a:ext>
+                  </a:extLst>
+                </a:gridCol>
+                <a:gridCol w="888524">
+                  <a:extLst>
+                    <a:ext uri="{9D8B030D-6E8A-4147-A177-3AD203B41FA5}">
+                      <a16:colId xmlns:a16="http://schemas.microsoft.com/office/drawing/2014/main" val="20001"/>
+                    </a:ext>
+                  </a:extLst>
+                </a:gridCol>
+                <a:gridCol w="887888">
+                  <a:extLst>
+                    <a:ext uri="{9D8B030D-6E8A-4147-A177-3AD203B41FA5}">
+                      <a16:colId xmlns:a16="http://schemas.microsoft.com/office/drawing/2014/main" val="20002"/>
+                    </a:ext>
+                  </a:extLst>
+                </a:gridCol>
+                <a:gridCol w="887888">
+                  <a:extLst>
+                    <a:ext uri="{9D8B030D-6E8A-4147-A177-3AD203B41FA5}">
+                      <a16:colId xmlns:a16="http://schemas.microsoft.com/office/drawing/2014/main" val="20003"/>
+                    </a:ext>
+                  </a:extLst>
+                </a:gridCol>
               </a:tblGrid>
               <a:tr h="0">
                 <a:tc>
@@ -8730,6 +9408,11 @@
                   </a:txBody>
                   <a:tcPr marL="63500" marR="63500" marT="63500" marB="63500"/>
                 </a:tc>
+                <a:extLst>
+                  <a:ext uri="{0D108BD9-81ED-4DB2-BD59-A6C34878D82A}">
+                    <a16:rowId xmlns:a16="http://schemas.microsoft.com/office/drawing/2014/main" val="10000"/>
+                  </a:ext>
+                </a:extLst>
               </a:tr>
               <a:tr h="0">
                 <a:tc>
@@ -8746,7 +9429,7 @@
                         </a:spcAft>
                       </a:pPr>
                       <a:r>
-                        <a:rPr lang="es-CO" sz="1300" dirty="0" smtClean="0">
+                        <a:rPr lang="es-CO" sz="1300" dirty="0">
                           <a:effectLst/>
                           <a:latin typeface="+mn-lt"/>
                           <a:ea typeface="+mn-ea"/>
@@ -8778,7 +9461,7 @@
                         </a:spcAft>
                       </a:pPr>
                       <a:r>
-                        <a:rPr lang="es-ES" sz="1100" dirty="0" smtClean="0">
+                        <a:rPr lang="es-ES" sz="1100" dirty="0">
                           <a:effectLst/>
                           <a:latin typeface="Calibri" panose="020F0502020204030204" pitchFamily="34" charset="0"/>
                           <a:ea typeface="Calibri" panose="020F0502020204030204" pitchFamily="34" charset="0"/>
@@ -8786,12 +9469,6 @@
                         </a:rPr>
                         <a:t>1</a:t>
                       </a:r>
-                      <a:endParaRPr lang="es-ES" sz="1100" dirty="0">
-                        <a:effectLst/>
-                        <a:latin typeface="Calibri" panose="020F0502020204030204" pitchFamily="34" charset="0"/>
-                        <a:ea typeface="Calibri" panose="020F0502020204030204" pitchFamily="34" charset="0"/>
-                        <a:cs typeface="Times New Roman" panose="02020603050405020304" pitchFamily="18" charset="0"/>
-                      </a:endParaRPr>
                     </a:p>
                   </a:txBody>
                   <a:tcPr marL="63500" marR="63500" marT="63500" marB="63500"/>
@@ -8810,7 +9487,7 @@
                         </a:spcAft>
                       </a:pPr>
                       <a:r>
-                        <a:rPr lang="es-CO" sz="1300" dirty="0" smtClean="0">
+                        <a:rPr lang="es-CO" sz="1300" dirty="0">
                           <a:effectLst/>
                           <a:latin typeface="+mn-lt"/>
                           <a:ea typeface="+mn-ea"/>
@@ -8842,7 +9519,7 @@
                         </a:spcAft>
                       </a:pPr>
                       <a:r>
-                        <a:rPr lang="es-CO" sz="1300" dirty="0" smtClean="0">
+                        <a:rPr lang="es-CO" sz="1300" dirty="0">
                           <a:effectLst/>
                           <a:latin typeface="+mn-lt"/>
                           <a:ea typeface="+mn-ea"/>
@@ -8860,6 +9537,11 @@
                   </a:txBody>
                   <a:tcPr marL="63500" marR="63500" marT="63500" marB="63500"/>
                 </a:tc>
+                <a:extLst>
+                  <a:ext uri="{0D108BD9-81ED-4DB2-BD59-A6C34878D82A}">
+                    <a16:rowId xmlns:a16="http://schemas.microsoft.com/office/drawing/2014/main" val="10001"/>
+                  </a:ext>
+                </a:extLst>
               </a:tr>
             </a:tbl>
           </a:graphicData>
@@ -8868,7 +9550,7 @@
     </p:spTree>
     <p:extLst>
       <p:ext uri="{BB962C8B-B14F-4D97-AF65-F5344CB8AC3E}">
-        <p14:creationId xmlns:p14="http://schemas.microsoft.com/office/powerpoint/2010/main" val="2523712097"/>
+        <p14:creationId xmlns:p14="http://schemas.microsoft.com/office/powerpoint/2010/main" val="615264229"/>
       </p:ext>
     </p:extLst>
   </p:cSld>
@@ -8878,7 +9560,7 @@
 </p:sld>
 </file>
 
-<file path=ppt/slides/slide8.xml><?xml version="1.0" encoding="utf-8"?>
+<file path=ppt/slides/slide9.xml><?xml version="1.0" encoding="utf-8"?>
 <p:sld xmlns:a="http://schemas.openxmlformats.org/drawingml/2006/main" xmlns:r="http://schemas.openxmlformats.org/officeDocument/2006/relationships" xmlns:p="http://schemas.openxmlformats.org/presentationml/2006/main">
   <p:cSld>
     <p:spTree>
@@ -8911,10 +9593,9 @@
           <a:lstStyle/>
           <a:p>
             <a:r>
-              <a:rPr lang="es-ES" dirty="0" smtClean="0"/>
+              <a:rPr lang="es-ES" dirty="0"/>
               <a:t>Historias de usuario</a:t>
             </a:r>
-            <a:endParaRPr lang="es-ES" dirty="0"/>
           </a:p>
         </p:txBody>
       </p:sp>
@@ -8935,19 +9616,19 @@
           <a:p>
             <a:r>
               <a:rPr lang="es-CO" b="1" dirty="0"/>
-              <a:t>Historia de usuario </a:t>
-            </a:r>
-            <a:r>
-              <a:rPr lang="es-CO" b="1" dirty="0" smtClean="0"/>
-              <a:t>#4:</a:t>
-            </a:r>
-            <a:r>
-              <a:rPr lang="es-CO" dirty="0" smtClean="0"/>
-              <a:t> </a:t>
+              <a:t>Historia de usuario #3</a:t>
             </a:r>
             <a:r>
               <a:rPr lang="es-CO" dirty="0"/>
-              <a:t>Se le mostrara al usuario una breve descripción con precios de la categoría seleccionada.</a:t>
+              <a:t>: El aplicativo se llevará a cabo mediante el lenguaje de JAVA, de manera interactiva con mensajes en pantalla (</a:t>
+            </a:r>
+            <a:r>
+              <a:rPr lang="es-CO" dirty="0" err="1"/>
+              <a:t>JOptionPane</a:t>
+            </a:r>
+            <a:r>
+              <a:rPr lang="es-CO" dirty="0"/>
+              <a:t>)</a:t>
             </a:r>
             <a:endParaRPr lang="es-ES" dirty="0"/>
           </a:p>
@@ -8956,7 +9637,7 @@
               <a:buNone/>
             </a:pPr>
             <a:r>
-              <a:rPr lang="es-CO" dirty="0" smtClean="0"/>
+              <a:rPr lang="es-CO" dirty="0"/>
               <a:t>Tiempo estimado</a:t>
             </a:r>
           </a:p>
@@ -8970,22 +9651,7 @@
             <a:pPr marL="0" indent="0">
               <a:buNone/>
             </a:pPr>
-            <a:endParaRPr lang="es-CO" dirty="0" smtClean="0"/>
-          </a:p>
-          <a:p>
-            <a:pPr marL="0" indent="0">
-              <a:buNone/>
-            </a:pPr>
-            <a:endParaRPr lang="es-CO" dirty="0" smtClean="0"/>
-          </a:p>
-          <a:p>
-            <a:pPr marL="0" indent="0">
-              <a:buNone/>
-            </a:pPr>
-            <a:r>
-              <a:rPr lang="es-CO" dirty="0" smtClean="0"/>
-              <a:t>Complejidad – Esfuerzo</a:t>
-            </a:r>
+            <a:endParaRPr lang="es-CO" dirty="0"/>
           </a:p>
           <a:p>
             <a:pPr marL="0" indent="0">
@@ -8997,7 +9663,10 @@
             <a:pPr marL="0" indent="0">
               <a:buNone/>
             </a:pPr>
-            <a:endParaRPr lang="es-CO" dirty="0" smtClean="0"/>
+            <a:r>
+              <a:rPr lang="es-CO" dirty="0"/>
+              <a:t>Complejidad – Esfuerzo</a:t>
+            </a:r>
           </a:p>
           <a:p>
             <a:pPr marL="0" indent="0">
@@ -9009,7 +9678,19 @@
             <a:pPr marL="0" indent="0">
               <a:buNone/>
             </a:pPr>
-            <a:endParaRPr lang="es-CO" dirty="0" smtClean="0"/>
+            <a:endParaRPr lang="es-CO" dirty="0"/>
+          </a:p>
+          <a:p>
+            <a:pPr marL="0" indent="0">
+              <a:buNone/>
+            </a:pPr>
+            <a:endParaRPr lang="es-CO" dirty="0"/>
+          </a:p>
+          <a:p>
+            <a:pPr marL="0" indent="0">
+              <a:buNone/>
+            </a:pPr>
+            <a:endParaRPr lang="es-CO" dirty="0"/>
           </a:p>
           <a:p>
             <a:pPr marL="0" indent="0">
@@ -9038,7 +9719,7 @@
         </p:nvGraphicFramePr>
         <p:xfrm>
           <a:off x="3225607" y="3391640"/>
-          <a:ext cx="3533775" cy="677926"/>
+          <a:ext cx="3533775" cy="656718"/>
         </p:xfrm>
         <a:graphic>
           <a:graphicData uri="http://schemas.openxmlformats.org/drawingml/2006/table">
@@ -9047,10 +9728,34 @@
                 <a:tableStyleId>{5C22544A-7EE6-4342-B048-85BDC9FD1C3A}</a:tableStyleId>
               </a:tblPr>
               <a:tblGrid>
-                <a:gridCol w="888528"/>
-                <a:gridCol w="888528"/>
-                <a:gridCol w="887893"/>
-                <a:gridCol w="868826"/>
+                <a:gridCol w="888528">
+                  <a:extLst>
+                    <a:ext uri="{9D8B030D-6E8A-4147-A177-3AD203B41FA5}">
+                      <a16:colId xmlns:a16="http://schemas.microsoft.com/office/drawing/2014/main" val="20000"/>
+                    </a:ext>
+                  </a:extLst>
+                </a:gridCol>
+                <a:gridCol w="888528">
+                  <a:extLst>
+                    <a:ext uri="{9D8B030D-6E8A-4147-A177-3AD203B41FA5}">
+                      <a16:colId xmlns:a16="http://schemas.microsoft.com/office/drawing/2014/main" val="20001"/>
+                    </a:ext>
+                  </a:extLst>
+                </a:gridCol>
+                <a:gridCol w="887893">
+                  <a:extLst>
+                    <a:ext uri="{9D8B030D-6E8A-4147-A177-3AD203B41FA5}">
+                      <a16:colId xmlns:a16="http://schemas.microsoft.com/office/drawing/2014/main" val="20002"/>
+                    </a:ext>
+                  </a:extLst>
+                </a:gridCol>
+                <a:gridCol w="868826">
+                  <a:extLst>
+                    <a:ext uri="{9D8B030D-6E8A-4147-A177-3AD203B41FA5}">
+                      <a16:colId xmlns:a16="http://schemas.microsoft.com/office/drawing/2014/main" val="20003"/>
+                    </a:ext>
+                  </a:extLst>
+                </a:gridCol>
               </a:tblGrid>
               <a:tr h="0">
                 <a:tc>
@@ -9169,6 +9874,11 @@
                   </a:txBody>
                   <a:tcPr marL="63500" marR="63500" marT="63500" marB="63500"/>
                 </a:tc>
+                <a:extLst>
+                  <a:ext uri="{0D108BD9-81ED-4DB2-BD59-A6C34878D82A}">
+                    <a16:rowId xmlns:a16="http://schemas.microsoft.com/office/drawing/2014/main" val="10000"/>
+                  </a:ext>
+                </a:extLst>
               </a:tr>
               <a:tr h="0">
                 <a:tc>
@@ -9185,16 +9895,10 @@
                         </a:spcAft>
                       </a:pPr>
                       <a:r>
-                        <a:rPr lang="es-CO" sz="1300" dirty="0" smtClean="0">
-                          <a:effectLst/>
-                        </a:rPr>
-                        <a:t>1 </a:t>
-                      </a:r>
-                      <a:r>
                         <a:rPr lang="es-CO" sz="1300" dirty="0">
                           <a:effectLst/>
                         </a:rPr>
-                        <a:t>días </a:t>
+                        <a:t>1 días </a:t>
                       </a:r>
                       <a:endParaRPr lang="es-ES" sz="1100" dirty="0">
                         <a:effectLst/>
@@ -9220,16 +9924,10 @@
                         </a:spcAft>
                       </a:pPr>
                       <a:r>
-                        <a:rPr lang="es-CO" sz="1300" dirty="0" smtClean="0">
-                          <a:effectLst/>
-                        </a:rPr>
-                        <a:t>1 </a:t>
-                      </a:r>
-                      <a:r>
                         <a:rPr lang="es-CO" sz="1300" dirty="0">
                           <a:effectLst/>
                         </a:rPr>
-                        <a:t>días</a:t>
+                        <a:t>1 días</a:t>
                       </a:r>
                       <a:endParaRPr lang="es-ES" sz="1100" dirty="0">
                         <a:effectLst/>
@@ -9255,16 +9953,10 @@
                         </a:spcAft>
                       </a:pPr>
                       <a:r>
-                        <a:rPr lang="es-CO" sz="1300" dirty="0" smtClean="0">
-                          <a:effectLst/>
-                        </a:rPr>
-                        <a:t>1 </a:t>
-                      </a:r>
-                      <a:r>
                         <a:rPr lang="es-CO" sz="1300" dirty="0">
                           <a:effectLst/>
                         </a:rPr>
-                        <a:t>días</a:t>
+                        <a:t>1 días</a:t>
                       </a:r>
                       <a:endParaRPr lang="es-ES" sz="1100" dirty="0">
                         <a:effectLst/>
@@ -9290,16 +9982,10 @@
                         </a:spcAft>
                       </a:pPr>
                       <a:r>
-                        <a:rPr lang="es-CO" sz="1300" dirty="0" smtClean="0">
-                          <a:effectLst/>
-                        </a:rPr>
-                        <a:t>1 </a:t>
-                      </a:r>
-                      <a:r>
                         <a:rPr lang="es-CO" sz="1300" dirty="0">
                           <a:effectLst/>
                         </a:rPr>
-                        <a:t>días</a:t>
+                        <a:t>1 días</a:t>
                       </a:r>
                       <a:endParaRPr lang="es-ES" sz="1100" dirty="0">
                         <a:effectLst/>
@@ -9311,6 +9997,11 @@
                   </a:txBody>
                   <a:tcPr marL="63500" marR="63500" marT="63500" marB="63500"/>
                 </a:tc>
+                <a:extLst>
+                  <a:ext uri="{0D108BD9-81ED-4DB2-BD59-A6C34878D82A}">
+                    <a16:rowId xmlns:a16="http://schemas.microsoft.com/office/drawing/2014/main" val="10001"/>
+                  </a:ext>
+                </a:extLst>
               </a:tr>
             </a:tbl>
           </a:graphicData>
@@ -9332,7 +10023,7 @@
         </p:nvGraphicFramePr>
         <p:xfrm>
           <a:off x="3306699" y="5073387"/>
-          <a:ext cx="3552824" cy="677926"/>
+          <a:ext cx="3552824" cy="656718"/>
         </p:xfrm>
         <a:graphic>
           <a:graphicData uri="http://schemas.openxmlformats.org/drawingml/2006/table">
@@ -9341,10 +10032,34 @@
                 <a:tableStyleId>{5C22544A-7EE6-4342-B048-85BDC9FD1C3A}</a:tableStyleId>
               </a:tblPr>
               <a:tblGrid>
-                <a:gridCol w="888524"/>
-                <a:gridCol w="888524"/>
-                <a:gridCol w="887888"/>
-                <a:gridCol w="887888"/>
+                <a:gridCol w="888524">
+                  <a:extLst>
+                    <a:ext uri="{9D8B030D-6E8A-4147-A177-3AD203B41FA5}">
+                      <a16:colId xmlns:a16="http://schemas.microsoft.com/office/drawing/2014/main" val="20000"/>
+                    </a:ext>
+                  </a:extLst>
+                </a:gridCol>
+                <a:gridCol w="888524">
+                  <a:extLst>
+                    <a:ext uri="{9D8B030D-6E8A-4147-A177-3AD203B41FA5}">
+                      <a16:colId xmlns:a16="http://schemas.microsoft.com/office/drawing/2014/main" val="20001"/>
+                    </a:ext>
+                  </a:extLst>
+                </a:gridCol>
+                <a:gridCol w="887888">
+                  <a:extLst>
+                    <a:ext uri="{9D8B030D-6E8A-4147-A177-3AD203B41FA5}">
+                      <a16:colId xmlns:a16="http://schemas.microsoft.com/office/drawing/2014/main" val="20002"/>
+                    </a:ext>
+                  </a:extLst>
+                </a:gridCol>
+                <a:gridCol w="887888">
+                  <a:extLst>
+                    <a:ext uri="{9D8B030D-6E8A-4147-A177-3AD203B41FA5}">
+                      <a16:colId xmlns:a16="http://schemas.microsoft.com/office/drawing/2014/main" val="20003"/>
+                    </a:ext>
+                  </a:extLst>
+                </a:gridCol>
               </a:tblGrid>
               <a:tr h="0">
                 <a:tc>
@@ -9463,6 +10178,11 @@
                   </a:txBody>
                   <a:tcPr marL="63500" marR="63500" marT="63500" marB="63500"/>
                 </a:tc>
+                <a:extLst>
+                  <a:ext uri="{0D108BD9-81ED-4DB2-BD59-A6C34878D82A}">
+                    <a16:rowId xmlns:a16="http://schemas.microsoft.com/office/drawing/2014/main" val="10000"/>
+                  </a:ext>
+                </a:extLst>
               </a:tr>
               <a:tr h="0">
                 <a:tc>
@@ -9479,7 +10199,7 @@
                         </a:spcAft>
                       </a:pPr>
                       <a:r>
-                        <a:rPr lang="es-CO" sz="1300" dirty="0" smtClean="0">
+                        <a:rPr lang="es-CO" sz="1300" dirty="0">
                           <a:effectLst/>
                           <a:latin typeface="+mn-lt"/>
                           <a:ea typeface="+mn-ea"/>
@@ -9511,7 +10231,7 @@
                         </a:spcAft>
                       </a:pPr>
                       <a:r>
-                        <a:rPr lang="es-ES" sz="1100" dirty="0" smtClean="0">
+                        <a:rPr lang="es-ES" sz="1100" dirty="0">
                           <a:effectLst/>
                           <a:latin typeface="Calibri" panose="020F0502020204030204" pitchFamily="34" charset="0"/>
                           <a:ea typeface="Calibri" panose="020F0502020204030204" pitchFamily="34" charset="0"/>
@@ -9519,12 +10239,6 @@
                         </a:rPr>
                         <a:t>1</a:t>
                       </a:r>
-                      <a:endParaRPr lang="es-ES" sz="1100" dirty="0">
-                        <a:effectLst/>
-                        <a:latin typeface="Calibri" panose="020F0502020204030204" pitchFamily="34" charset="0"/>
-                        <a:ea typeface="Calibri" panose="020F0502020204030204" pitchFamily="34" charset="0"/>
-                        <a:cs typeface="Times New Roman" panose="02020603050405020304" pitchFamily="18" charset="0"/>
-                      </a:endParaRPr>
                     </a:p>
                   </a:txBody>
                   <a:tcPr marL="63500" marR="63500" marT="63500" marB="63500"/>
@@ -9543,7 +10257,7 @@
                         </a:spcAft>
                       </a:pPr>
                       <a:r>
-                        <a:rPr lang="es-CO" sz="1300" dirty="0" smtClean="0">
+                        <a:rPr lang="es-CO" sz="1300" dirty="0">
                           <a:effectLst/>
                           <a:latin typeface="+mn-lt"/>
                           <a:ea typeface="+mn-ea"/>
@@ -9575,7 +10289,7 @@
                         </a:spcAft>
                       </a:pPr>
                       <a:r>
-                        <a:rPr lang="es-CO" sz="1300" dirty="0" smtClean="0">
+                        <a:rPr lang="es-CO" sz="1300" dirty="0">
                           <a:effectLst/>
                           <a:latin typeface="+mn-lt"/>
                           <a:ea typeface="+mn-ea"/>
@@ -9593,6 +10307,11 @@
                   </a:txBody>
                   <a:tcPr marL="63500" marR="63500" marT="63500" marB="63500"/>
                 </a:tc>
+                <a:extLst>
+                  <a:ext uri="{0D108BD9-81ED-4DB2-BD59-A6C34878D82A}">
+                    <a16:rowId xmlns:a16="http://schemas.microsoft.com/office/drawing/2014/main" val="10001"/>
+                  </a:ext>
+                </a:extLst>
               </a:tr>
             </a:tbl>
           </a:graphicData>
@@ -9601,86 +10320,7 @@
     </p:spTree>
     <p:extLst>
       <p:ext uri="{BB962C8B-B14F-4D97-AF65-F5344CB8AC3E}">
-        <p14:creationId xmlns:p14="http://schemas.microsoft.com/office/powerpoint/2010/main" val="475370658"/>
-      </p:ext>
-    </p:extLst>
-  </p:cSld>
-  <p:clrMapOvr>
-    <a:masterClrMapping/>
-  </p:clrMapOvr>
-</p:sld>
-</file>
-
-<file path=ppt/slides/slide9.xml><?xml version="1.0" encoding="utf-8"?>
-<p:sld xmlns:a="http://schemas.openxmlformats.org/drawingml/2006/main" xmlns:r="http://schemas.openxmlformats.org/officeDocument/2006/relationships" xmlns:p="http://schemas.openxmlformats.org/presentationml/2006/main">
-  <p:cSld>
-    <p:spTree>
-      <p:nvGrpSpPr>
-        <p:cNvPr id="1" name=""/>
-        <p:cNvGrpSpPr/>
-        <p:nvPr/>
-      </p:nvGrpSpPr>
-      <p:grpSpPr>
-        <a:xfrm>
-          <a:off x="0" y="0"/>
-          <a:ext cx="0" cy="0"/>
-          <a:chOff x="0" y="0"/>
-          <a:chExt cx="0" cy="0"/>
-        </a:xfrm>
-      </p:grpSpPr>
-      <p:sp>
-        <p:nvSpPr>
-          <p:cNvPr id="2" name="Título 1"/>
-          <p:cNvSpPr>
-            <a:spLocks noGrp="1"/>
-          </p:cNvSpPr>
-          <p:nvPr>
-            <p:ph type="title"/>
-          </p:nvPr>
-        </p:nvSpPr>
-        <p:spPr/>
-        <p:txBody>
-          <a:bodyPr/>
-          <a:lstStyle/>
-          <a:p>
-            <a:r>
-              <a:rPr lang="es-ES" dirty="0" smtClean="0"/>
-              <a:t>Vista </a:t>
-            </a:r>
-            <a:endParaRPr lang="es-ES" dirty="0"/>
-          </a:p>
-        </p:txBody>
-      </p:sp>
-      <p:pic>
-        <p:nvPicPr>
-          <p:cNvPr id="4" name="Marcador de contenido 3"/>
-          <p:cNvPicPr>
-            <a:picLocks noGrp="1" noChangeAspect="1"/>
-          </p:cNvPicPr>
-          <p:nvPr>
-            <p:ph idx="1"/>
-          </p:nvPr>
-        </p:nvPicPr>
-        <p:blipFill>
-          <a:blip r:embed="rId2"/>
-          <a:stretch>
-            <a:fillRect/>
-          </a:stretch>
-        </p:blipFill>
-        <p:spPr>
-          <a:xfrm>
-            <a:off x="3452019" y="2596356"/>
-            <a:ext cx="3048000" cy="3009900"/>
-          </a:xfrm>
-          <a:prstGeom prst="rect">
-            <a:avLst/>
-          </a:prstGeom>
-        </p:spPr>
-      </p:pic>
-    </p:spTree>
-    <p:extLst>
-      <p:ext uri="{BB962C8B-B14F-4D97-AF65-F5344CB8AC3E}">
-        <p14:creationId xmlns:p14="http://schemas.microsoft.com/office/powerpoint/2010/main" val="234495056"/>
+        <p14:creationId xmlns:p14="http://schemas.microsoft.com/office/powerpoint/2010/main" val="2523712097"/>
       </p:ext>
     </p:extLst>
   </p:cSld>

--- a/Clasificados.pptx
+++ b/Clasificados.pptx
@@ -7382,7 +7382,7 @@
             <p:ph idx="1"/>
             <p:extLst>
               <p:ext uri="{D42A27DB-BD31-4B8C-83A1-F6EECF244321}">
-                <p14:modId xmlns:p14="http://schemas.microsoft.com/office/powerpoint/2010/main" val="2890983663"/>
+                <p14:modId xmlns:p14="http://schemas.microsoft.com/office/powerpoint/2010/main" val="1440681219"/>
               </p:ext>
             </p:extLst>
           </p:nvPr>
@@ -7526,8 +7526,13 @@
                     <a:p>
                       <a:r>
                         <a:rPr lang="es-ES" dirty="0"/>
-                        <a:t>Equipo Desarrollo</a:t>
+                        <a:t>Front </a:t>
                       </a:r>
+                      <a:r>
+                        <a:rPr lang="es-ES" dirty="0" err="1"/>
+                        <a:t>End</a:t>
+                      </a:r>
+                      <a:endParaRPr lang="es-ES" dirty="0"/>
                     </a:p>
                   </a:txBody>
                   <a:tcPr/>
@@ -7572,8 +7577,13 @@
                     <a:p>
                       <a:r>
                         <a:rPr lang="es-ES" dirty="0"/>
-                        <a:t>Equipo Desarrollo</a:t>
+                        <a:t>Back-</a:t>
                       </a:r>
+                      <a:r>
+                        <a:rPr lang="es-ES" dirty="0" err="1"/>
+                        <a:t>end</a:t>
+                      </a:r>
+                      <a:endParaRPr lang="es-ES" dirty="0"/>
                     </a:p>
                   </a:txBody>
                   <a:tcPr/>
@@ -7609,9 +7619,10 @@
                     <a:lstStyle/>
                     <a:p>
                       <a:r>
-                        <a:rPr lang="es-ES" dirty="0"/>
-                        <a:t>Equipo Desarrollo</a:t>
+                        <a:rPr lang="es-ES"/>
+                        <a:t>Documentación</a:t>
                       </a:r>
+                      <a:endParaRPr lang="es-ES" dirty="0"/>
                     </a:p>
                   </a:txBody>
                   <a:tcPr/>
